--- a/信息学奥赛/趣学C++编程/第5单元 数组、排序和字符串/第3课 选择排序、插入排序、冒泡排序、桶排序/选择排序、插入排序、冒泡排序、桶排序.pptx
+++ b/信息学奥赛/趣学C++编程/第5单元 数组、排序和字符串/第3课 选择排序、插入排序、冒泡排序、桶排序/选择排序、插入排序、冒泡排序、桶排序.pptx
@@ -5,12 +5,11 @@
     <p:sldMasterId id="2147483648" r:id="rId1"/>
   </p:sldMasterIdLst>
   <p:sldIdLst>
-    <p:sldId id="257" r:id="rId2"/>
-    <p:sldId id="274" r:id="rId3"/>
-    <p:sldId id="275" r:id="rId4"/>
-    <p:sldId id="276" r:id="rId5"/>
-    <p:sldId id="278" r:id="rId6"/>
-    <p:sldId id="279" r:id="rId7"/>
+    <p:sldId id="274" r:id="rId2"/>
+    <p:sldId id="275" r:id="rId3"/>
+    <p:sldId id="276" r:id="rId4"/>
+    <p:sldId id="278" r:id="rId5"/>
+    <p:sldId id="279" r:id="rId6"/>
   </p:sldIdLst>
   <p:sldSz cx="12192000" cy="6858000"/>
   <p:notesSz cx="6858000" cy="9144000"/>
@@ -264,7 +263,7 @@
           <a:p>
             <a:fld id="{6DB8FC75-0739-4932-875F-958490033975}" type="datetimeFigureOut">
               <a:rPr lang="zh-CN" altLang="en-US" smtClean="0"/>
-              <a:t>2022/2/5</a:t>
+              <a:t>2023/3/7</a:t>
             </a:fld>
             <a:endParaRPr lang="zh-CN" altLang="en-US"/>
           </a:p>
@@ -462,7 +461,7 @@
           <a:p>
             <a:fld id="{6DB8FC75-0739-4932-875F-958490033975}" type="datetimeFigureOut">
               <a:rPr lang="zh-CN" altLang="en-US" smtClean="0"/>
-              <a:t>2022/2/5</a:t>
+              <a:t>2023/3/7</a:t>
             </a:fld>
             <a:endParaRPr lang="zh-CN" altLang="en-US"/>
           </a:p>
@@ -670,7 +669,7 @@
           <a:p>
             <a:fld id="{6DB8FC75-0739-4932-875F-958490033975}" type="datetimeFigureOut">
               <a:rPr lang="zh-CN" altLang="en-US" smtClean="0"/>
-              <a:t>2022/2/5</a:t>
+              <a:t>2023/3/7</a:t>
             </a:fld>
             <a:endParaRPr lang="zh-CN" altLang="en-US"/>
           </a:p>
@@ -868,7 +867,7 @@
           <a:p>
             <a:fld id="{6DB8FC75-0739-4932-875F-958490033975}" type="datetimeFigureOut">
               <a:rPr lang="zh-CN" altLang="en-US" smtClean="0"/>
-              <a:t>2022/2/5</a:t>
+              <a:t>2023/3/7</a:t>
             </a:fld>
             <a:endParaRPr lang="zh-CN" altLang="en-US"/>
           </a:p>
@@ -1143,7 +1142,7 @@
           <a:p>
             <a:fld id="{6DB8FC75-0739-4932-875F-958490033975}" type="datetimeFigureOut">
               <a:rPr lang="zh-CN" altLang="en-US" smtClean="0"/>
-              <a:t>2022/2/5</a:t>
+              <a:t>2023/3/7</a:t>
             </a:fld>
             <a:endParaRPr lang="zh-CN" altLang="en-US"/>
           </a:p>
@@ -1408,7 +1407,7 @@
           <a:p>
             <a:fld id="{6DB8FC75-0739-4932-875F-958490033975}" type="datetimeFigureOut">
               <a:rPr lang="zh-CN" altLang="en-US" smtClean="0"/>
-              <a:t>2022/2/5</a:t>
+              <a:t>2023/3/7</a:t>
             </a:fld>
             <a:endParaRPr lang="zh-CN" altLang="en-US"/>
           </a:p>
@@ -1820,7 +1819,7 @@
           <a:p>
             <a:fld id="{6DB8FC75-0739-4932-875F-958490033975}" type="datetimeFigureOut">
               <a:rPr lang="zh-CN" altLang="en-US" smtClean="0"/>
-              <a:t>2022/2/5</a:t>
+              <a:t>2023/3/7</a:t>
             </a:fld>
             <a:endParaRPr lang="zh-CN" altLang="en-US"/>
           </a:p>
@@ -1961,7 +1960,7 @@
           <a:p>
             <a:fld id="{6DB8FC75-0739-4932-875F-958490033975}" type="datetimeFigureOut">
               <a:rPr lang="zh-CN" altLang="en-US" smtClean="0"/>
-              <a:t>2022/2/5</a:t>
+              <a:t>2023/3/7</a:t>
             </a:fld>
             <a:endParaRPr lang="zh-CN" altLang="en-US"/>
           </a:p>
@@ -2122,7 +2121,7 @@
           </a:ln>
           <a:extLst>
             <a:ext uri="{C572A759-6A51-4108-AA02-DFA0A04FC94B}">
-              <ma14:wrappingTextBoxFlag xmlns:ma14="http://schemas.microsoft.com/office/mac/drawingml/2011/main" xmlns:a14="http://schemas.microsoft.com/office/drawing/2010/main" xmlns:m="http://schemas.openxmlformats.org/officeDocument/2006/math" xmlns="" val="1"/>
+              <ma14:wrappingTextBoxFlag xmlns="" xmlns:m="http://schemas.openxmlformats.org/officeDocument/2006/math" xmlns:a14="http://schemas.microsoft.com/office/drawing/2010/main" xmlns:ma14="http://schemas.microsoft.com/office/mac/drawingml/2011/main" val="1"/>
             </a:ext>
           </a:extLst>
         </p:spPr>
@@ -2312,7 +2311,7 @@
           </a:ln>
           <a:extLst>
             <a:ext uri="{C572A759-6A51-4108-AA02-DFA0A04FC94B}">
-              <ma14:wrappingTextBoxFlag xmlns="" xmlns:m="http://schemas.openxmlformats.org/officeDocument/2006/math" xmlns:a14="http://schemas.microsoft.com/office/drawing/2010/main" xmlns:ma14="http://schemas.microsoft.com/office/mac/drawingml/2011/main" val="1"/>
+              <ma14:wrappingTextBoxFlag xmlns:ma14="http://schemas.microsoft.com/office/mac/drawingml/2011/main" xmlns:a14="http://schemas.microsoft.com/office/drawing/2010/main" xmlns:m="http://schemas.openxmlformats.org/officeDocument/2006/math" xmlns="" val="1"/>
             </a:ext>
           </a:extLst>
         </p:spPr>
@@ -2691,7 +2690,7 @@
           <a:p>
             <a:fld id="{6DB8FC75-0739-4932-875F-958490033975}" type="datetimeFigureOut">
               <a:rPr lang="zh-CN" altLang="en-US" smtClean="0"/>
-              <a:t>2022/2/5</a:t>
+              <a:t>2023/3/7</a:t>
             </a:fld>
             <a:endParaRPr lang="zh-CN" altLang="en-US"/>
           </a:p>
@@ -2979,7 +2978,7 @@
           <a:p>
             <a:fld id="{6DB8FC75-0739-4932-875F-958490033975}" type="datetimeFigureOut">
               <a:rPr lang="zh-CN" altLang="en-US" smtClean="0"/>
-              <a:t>2022/2/5</a:t>
+              <a:t>2023/3/7</a:t>
             </a:fld>
             <a:endParaRPr lang="zh-CN" altLang="en-US"/>
           </a:p>
@@ -3220,7 +3219,7 @@
           <a:p>
             <a:fld id="{6DB8FC75-0739-4932-875F-958490033975}" type="datetimeFigureOut">
               <a:rPr lang="zh-CN" altLang="en-US" smtClean="0"/>
-              <a:t>2022/2/5</a:t>
+              <a:t>2023/3/7</a:t>
             </a:fld>
             <a:endParaRPr lang="zh-CN" altLang="en-US"/>
           </a:p>
@@ -3623,20 +3622,6 @@
 <file path=ppt/slides/slide1.xml><?xml version="1.0" encoding="utf-8"?>
 <p:sld xmlns:a="http://schemas.openxmlformats.org/drawingml/2006/main" xmlns:r="http://schemas.openxmlformats.org/officeDocument/2006/relationships" xmlns:p="http://schemas.openxmlformats.org/presentationml/2006/main">
   <p:cSld>
-    <p:bg>
-      <p:bgPr>
-        <a:blipFill dpi="0" rotWithShape="1">
-          <a:blip r:embed="rId2">
-            <a:lum/>
-          </a:blip>
-          <a:srcRect/>
-          <a:stretch>
-            <a:fillRect t="-16000" b="-16000"/>
-          </a:stretch>
-        </a:blipFill>
-        <a:effectLst/>
-      </p:bgPr>
-    </p:bg>
     <p:spTree>
       <p:nvGrpSpPr>
         <p:cNvPr id="1" name=""/>
@@ -3653,38 +3638,51 @@
       </p:grpSpPr>
       <p:sp>
         <p:nvSpPr>
-          <p:cNvPr id="3" name="矩形 2">
-            <a:extLst>
-              <a:ext uri="{FF2B5EF4-FFF2-40B4-BE49-F238E27FC236}">
-                <a16:creationId xmlns:a16="http://schemas.microsoft.com/office/drawing/2014/main" id="{22348EFA-E9F8-476D-9765-C8F8635CE4B4}"/>
-              </a:ext>
-            </a:extLst>
-          </p:cNvPr>
-          <p:cNvSpPr/>
+          <p:cNvPr id="2" name="Rectangle 27">
+            <a:extLst>
+              <a:ext uri="{FF2B5EF4-FFF2-40B4-BE49-F238E27FC236}">
+                <a16:creationId xmlns:a16="http://schemas.microsoft.com/office/drawing/2014/main" id="{8353659F-A98E-43AA-874D-F7B77696625B}"/>
+              </a:ext>
+            </a:extLst>
+          </p:cNvPr>
+          <p:cNvSpPr txBox="1">
+            <a:spLocks noChangeArrowheads="1"/>
+          </p:cNvSpPr>
           <p:nvPr/>
         </p:nvSpPr>
         <p:spPr>
           <a:xfrm>
-            <a:off x="4605277" y="2877280"/>
-            <a:ext cx="5724645" cy="923330"/>
+            <a:off x="1798839" y="308787"/>
+            <a:ext cx="4242324" cy="457256"/>
           </a:xfrm>
           <a:prstGeom prst="rect">
             <a:avLst/>
           </a:prstGeom>
-          <a:noFill/>
         </p:spPr>
         <p:txBody>
-          <a:bodyPr wrap="none" lIns="91440" tIns="45720" rIns="91440" bIns="45720">
-            <a:prstTxWarp prst="textArchUp">
-              <a:avLst/>
-            </a:prstTxWarp>
-            <a:spAutoFit/>
-          </a:bodyPr>
-          <a:lstStyle/>
-          <a:p>
-            <a:pPr algn="ctr"/>
-            <a:r>
-              <a:rPr lang="zh-CN" altLang="en-US" sz="5400" b="1" cap="none" spc="0">
+          <a:bodyPr/>
+          <a:lstStyle>
+            <a:lvl1pPr algn="l" defTabSz="914400" rtl="0" eaLnBrk="1" latinLnBrk="0" hangingPunct="1">
+              <a:lnSpc>
+                <a:spcPct val="90000"/>
+              </a:lnSpc>
+              <a:spcBef>
+                <a:spcPct val="0"/>
+              </a:spcBef>
+              <a:buNone/>
+              <a:defRPr sz="4400" kern="1200">
+                <a:solidFill>
+                  <a:schemeClr val="tx1"/>
+                </a:solidFill>
+                <a:latin typeface="+mj-lt"/>
+                <a:ea typeface="+mj-ea"/>
+                <a:cs typeface="+mj-cs"/>
+              </a:defRPr>
+            </a:lvl1pPr>
+          </a:lstStyle>
+          <a:p>
+            <a:r>
+              <a:rPr lang="zh-CN" altLang="en-US" sz="2800" b="1" i="1">
                 <a:ln w="22225">
                   <a:solidFill>
                     <a:schemeClr val="accent2"/>
@@ -3697,9 +3695,341 @@
                     <a:lumOff val="60000"/>
                   </a:schemeClr>
                 </a:solidFill>
-                <a:effectLst/>
-              </a:rPr>
-              <a:t>排序算法</a:t>
+              </a:rPr>
+              <a:t>一维数组的元素排序</a:t>
+            </a:r>
+          </a:p>
+        </p:txBody>
+      </p:sp>
+      <p:sp>
+        <p:nvSpPr>
+          <p:cNvPr id="3" name="矩形 2">
+            <a:extLst>
+              <a:ext uri="{FF2B5EF4-FFF2-40B4-BE49-F238E27FC236}">
+                <a16:creationId xmlns:a16="http://schemas.microsoft.com/office/drawing/2014/main" id="{1412BCAC-D970-49FA-AF54-45DB37EA062C}"/>
+              </a:ext>
+            </a:extLst>
+          </p:cNvPr>
+          <p:cNvSpPr>
+            <a:spLocks noChangeArrowheads="1"/>
+          </p:cNvSpPr>
+          <p:nvPr/>
+        </p:nvSpPr>
+        <p:spPr bwMode="auto">
+          <a:xfrm>
+            <a:off x="387350" y="1055977"/>
+            <a:ext cx="10959523" cy="3715569"/>
+          </a:xfrm>
+          <a:prstGeom prst="rect">
+            <a:avLst/>
+          </a:prstGeom>
+          <a:noFill/>
+          <a:ln>
+            <a:noFill/>
+          </a:ln>
+          <a:extLst>
+            <a:ext uri="{909E8E84-426E-40DD-AFC4-6F175D3DCCD1}">
+              <a14:hiddenFill xmlns:a14="http://schemas.microsoft.com/office/drawing/2010/main">
+                <a:solidFill>
+                  <a:srgbClr val="FFFFFF"/>
+                </a:solidFill>
+              </a14:hiddenFill>
+            </a:ext>
+            <a:ext uri="{91240B29-F687-4F45-9708-019B960494DF}">
+              <a14:hiddenLine xmlns:a14="http://schemas.microsoft.com/office/drawing/2010/main" w="9525">
+                <a:solidFill>
+                  <a:srgbClr val="000000"/>
+                </a:solidFill>
+                <a:miter lim="800000"/>
+                <a:headEnd/>
+                <a:tailEnd/>
+              </a14:hiddenLine>
+            </a:ext>
+          </a:extLst>
+        </p:spPr>
+        <p:txBody>
+          <a:bodyPr wrap="square">
+            <a:spAutoFit/>
+          </a:bodyPr>
+          <a:lstStyle>
+            <a:lvl1pPr indent="574675">
+              <a:spcBef>
+                <a:spcPct val="20000"/>
+              </a:spcBef>
+              <a:buClr>
+                <a:schemeClr val="accent2"/>
+              </a:buClr>
+              <a:buSzPct val="80000"/>
+              <a:buFont typeface="Wingdings" panose="05000000000000000000" pitchFamily="2" charset="2"/>
+              <a:buChar char="l"/>
+              <a:defRPr kumimoji="1" sz="3200" b="1">
+                <a:solidFill>
+                  <a:srgbClr val="000066"/>
+                </a:solidFill>
+                <a:latin typeface="Times New Roman" panose="02020603050405020304" pitchFamily="18" charset="0"/>
+                <a:ea typeface="宋体" panose="02010600030101010101" pitchFamily="2" charset="-122"/>
+              </a:defRPr>
+            </a:lvl1pPr>
+            <a:lvl2pPr marL="742950" indent="-285750">
+              <a:spcBef>
+                <a:spcPct val="20000"/>
+              </a:spcBef>
+              <a:buClr>
+                <a:schemeClr val="tx1"/>
+              </a:buClr>
+              <a:buSzPct val="90000"/>
+              <a:buChar char="–"/>
+              <a:defRPr kumimoji="1" sz="2800" b="1">
+                <a:solidFill>
+                  <a:srgbClr val="000066"/>
+                </a:solidFill>
+                <a:latin typeface="Times New Roman" panose="02020603050405020304" pitchFamily="18" charset="0"/>
+                <a:ea typeface="宋体" panose="02010600030101010101" pitchFamily="2" charset="-122"/>
+              </a:defRPr>
+            </a:lvl2pPr>
+            <a:lvl3pPr marL="1143000" indent="-228600">
+              <a:spcBef>
+                <a:spcPct val="20000"/>
+              </a:spcBef>
+              <a:buClr>
+                <a:schemeClr val="accent1"/>
+              </a:buClr>
+              <a:buSzPct val="60000"/>
+              <a:buFont typeface="Wingdings" panose="05000000000000000000" pitchFamily="2" charset="2"/>
+              <a:buChar char="l"/>
+              <a:defRPr kumimoji="1" sz="2400" b="1">
+                <a:solidFill>
+                  <a:srgbClr val="000066"/>
+                </a:solidFill>
+                <a:latin typeface="Times New Roman" panose="02020603050405020304" pitchFamily="18" charset="0"/>
+                <a:ea typeface="宋体" panose="02010600030101010101" pitchFamily="2" charset="-122"/>
+              </a:defRPr>
+            </a:lvl3pPr>
+            <a:lvl4pPr marL="1600200" indent="-228600">
+              <a:spcBef>
+                <a:spcPct val="20000"/>
+              </a:spcBef>
+              <a:buClr>
+                <a:schemeClr val="tx1"/>
+              </a:buClr>
+              <a:buChar char="–"/>
+              <a:defRPr kumimoji="1" sz="2000" b="1">
+                <a:solidFill>
+                  <a:srgbClr val="000066"/>
+                </a:solidFill>
+                <a:latin typeface="Times New Roman" panose="02020603050405020304" pitchFamily="18" charset="0"/>
+                <a:ea typeface="宋体" panose="02010600030101010101" pitchFamily="2" charset="-122"/>
+              </a:defRPr>
+            </a:lvl4pPr>
+            <a:lvl5pPr marL="2057400" indent="-228600">
+              <a:spcBef>
+                <a:spcPct val="20000"/>
+              </a:spcBef>
+              <a:buClr>
+                <a:schemeClr val="accent1"/>
+              </a:buClr>
+              <a:buChar char="•"/>
+              <a:defRPr kumimoji="1" sz="2000" b="1">
+                <a:solidFill>
+                  <a:srgbClr val="000066"/>
+                </a:solidFill>
+                <a:latin typeface="Times New Roman" panose="02020603050405020304" pitchFamily="18" charset="0"/>
+                <a:ea typeface="宋体" panose="02010600030101010101" pitchFamily="2" charset="-122"/>
+              </a:defRPr>
+            </a:lvl5pPr>
+            <a:lvl6pPr marL="2514600" indent="-228600" eaLnBrk="0" fontAlgn="base" hangingPunct="0">
+              <a:spcBef>
+                <a:spcPct val="20000"/>
+              </a:spcBef>
+              <a:spcAft>
+                <a:spcPct val="0"/>
+              </a:spcAft>
+              <a:buClr>
+                <a:schemeClr val="accent1"/>
+              </a:buClr>
+              <a:buChar char="•"/>
+              <a:defRPr kumimoji="1" sz="2000" b="1">
+                <a:solidFill>
+                  <a:srgbClr val="000066"/>
+                </a:solidFill>
+                <a:latin typeface="Times New Roman" panose="02020603050405020304" pitchFamily="18" charset="0"/>
+                <a:ea typeface="宋体" panose="02010600030101010101" pitchFamily="2" charset="-122"/>
+              </a:defRPr>
+            </a:lvl6pPr>
+            <a:lvl7pPr marL="2971800" indent="-228600" eaLnBrk="0" fontAlgn="base" hangingPunct="0">
+              <a:spcBef>
+                <a:spcPct val="20000"/>
+              </a:spcBef>
+              <a:spcAft>
+                <a:spcPct val="0"/>
+              </a:spcAft>
+              <a:buClr>
+                <a:schemeClr val="accent1"/>
+              </a:buClr>
+              <a:buChar char="•"/>
+              <a:defRPr kumimoji="1" sz="2000" b="1">
+                <a:solidFill>
+                  <a:srgbClr val="000066"/>
+                </a:solidFill>
+                <a:latin typeface="Times New Roman" panose="02020603050405020304" pitchFamily="18" charset="0"/>
+                <a:ea typeface="宋体" panose="02010600030101010101" pitchFamily="2" charset="-122"/>
+              </a:defRPr>
+            </a:lvl7pPr>
+            <a:lvl8pPr marL="3429000" indent="-228600" eaLnBrk="0" fontAlgn="base" hangingPunct="0">
+              <a:spcBef>
+                <a:spcPct val="20000"/>
+              </a:spcBef>
+              <a:spcAft>
+                <a:spcPct val="0"/>
+              </a:spcAft>
+              <a:buClr>
+                <a:schemeClr val="accent1"/>
+              </a:buClr>
+              <a:buChar char="•"/>
+              <a:defRPr kumimoji="1" sz="2000" b="1">
+                <a:solidFill>
+                  <a:srgbClr val="000066"/>
+                </a:solidFill>
+                <a:latin typeface="Times New Roman" panose="02020603050405020304" pitchFamily="18" charset="0"/>
+                <a:ea typeface="宋体" panose="02010600030101010101" pitchFamily="2" charset="-122"/>
+              </a:defRPr>
+            </a:lvl8pPr>
+            <a:lvl9pPr marL="3886200" indent="-228600" eaLnBrk="0" fontAlgn="base" hangingPunct="0">
+              <a:spcBef>
+                <a:spcPct val="20000"/>
+              </a:spcBef>
+              <a:spcAft>
+                <a:spcPct val="0"/>
+              </a:spcAft>
+              <a:buClr>
+                <a:schemeClr val="accent1"/>
+              </a:buClr>
+              <a:buChar char="•"/>
+              <a:defRPr kumimoji="1" sz="2000" b="1">
+                <a:solidFill>
+                  <a:srgbClr val="000066"/>
+                </a:solidFill>
+                <a:latin typeface="Times New Roman" panose="02020603050405020304" pitchFamily="18" charset="0"/>
+                <a:ea typeface="宋体" panose="02010600030101010101" pitchFamily="2" charset="-122"/>
+              </a:defRPr>
+            </a:lvl9pPr>
+          </a:lstStyle>
+          <a:p>
+            <a:pPr eaLnBrk="1" hangingPunct="1">
+              <a:lnSpc>
+                <a:spcPct val="110000"/>
+              </a:lnSpc>
+              <a:spcBef>
+                <a:spcPct val="0"/>
+              </a:spcBef>
+              <a:buFont typeface="Wingdings" panose="05000000000000000000" pitchFamily="2" charset="2"/>
+              <a:buNone/>
+            </a:pPr>
+            <a:r>
+              <a:rPr lang="zh-CN" altLang="en-US" sz="2400" b="0">
+                <a:solidFill>
+                  <a:schemeClr val="tx1">
+                    <a:lumMod val="75000"/>
+                    <a:lumOff val="25000"/>
+                  </a:schemeClr>
+                </a:solidFill>
+              </a:rPr>
+              <a:t>“排序”就是按照某个关键字的大小，将若干对象从小到大或者从大到小进行重新排列。关键字是对象的某一个属性，它可以是任何基本数据类型，甚至结构体等。</a:t>
+            </a:r>
+            <a:endParaRPr lang="en-US" altLang="zh-CN" sz="2400" b="0">
+              <a:solidFill>
+                <a:schemeClr val="tx1">
+                  <a:lumMod val="75000"/>
+                  <a:lumOff val="25000"/>
+                </a:schemeClr>
+              </a:solidFill>
+            </a:endParaRPr>
+          </a:p>
+          <a:p>
+            <a:pPr eaLnBrk="1" hangingPunct="1">
+              <a:lnSpc>
+                <a:spcPct val="110000"/>
+              </a:lnSpc>
+              <a:spcBef>
+                <a:spcPct val="0"/>
+              </a:spcBef>
+              <a:buFont typeface="Wingdings" panose="05000000000000000000" pitchFamily="2" charset="2"/>
+              <a:buNone/>
+            </a:pPr>
+            <a:r>
+              <a:rPr lang="zh-CN" altLang="en-US" sz="2400" b="0">
+                <a:solidFill>
+                  <a:schemeClr val="tx1">
+                    <a:lumMod val="75000"/>
+                    <a:lumOff val="25000"/>
+                  </a:schemeClr>
+                </a:solidFill>
+              </a:rPr>
+              <a:t>例如，体育课上我们会按照身高从矮到高站队，这就是“升序”排序，身高是我们每个人的一个属性，也就是排序的关键字。再如，将所有单词按照“字典序”倒过来排序，如</a:t>
+            </a:r>
+            <a:r>
+              <a:rPr lang="en-US" altLang="zh-CN" sz="2400" b="0">
+                <a:solidFill>
+                  <a:schemeClr val="tx1">
+                    <a:lumMod val="75000"/>
+                    <a:lumOff val="25000"/>
+                  </a:schemeClr>
+                </a:solidFill>
+              </a:rPr>
+              <a:t>zoo,yes,most,key,computer,book,bad,apple</a:t>
+            </a:r>
+            <a:r>
+              <a:rPr lang="zh-CN" altLang="en-US" sz="2400" b="0">
+                <a:solidFill>
+                  <a:schemeClr val="tx1">
+                    <a:lumMod val="75000"/>
+                    <a:lumOff val="25000"/>
+                  </a:schemeClr>
+                </a:solidFill>
+              </a:rPr>
+              <a:t>等，就是“降序”排序，关键字的类型就是字符串。</a:t>
+            </a:r>
+            <a:r>
+              <a:rPr lang="zh-CN" altLang="zh-CN" sz="2400" b="0">
+                <a:solidFill>
+                  <a:schemeClr val="tx1">
+                    <a:lumMod val="75000"/>
+                    <a:lumOff val="25000"/>
+                  </a:schemeClr>
+                </a:solidFill>
+              </a:rPr>
+              <a:t> </a:t>
+            </a:r>
+            <a:endParaRPr lang="zh-CN" altLang="en-US" sz="2400" b="0">
+              <a:solidFill>
+                <a:schemeClr val="tx1">
+                  <a:lumMod val="75000"/>
+                  <a:lumOff val="25000"/>
+                </a:schemeClr>
+              </a:solidFill>
+            </a:endParaRPr>
+          </a:p>
+          <a:p>
+            <a:pPr eaLnBrk="1" hangingPunct="1">
+              <a:lnSpc>
+                <a:spcPct val="110000"/>
+              </a:lnSpc>
+              <a:spcBef>
+                <a:spcPct val="0"/>
+              </a:spcBef>
+              <a:buFont typeface="Wingdings" panose="05000000000000000000" pitchFamily="2" charset="2"/>
+              <a:buNone/>
+            </a:pPr>
+            <a:r>
+              <a:rPr lang="zh-CN" altLang="en-US" sz="2400" b="0">
+                <a:solidFill>
+                  <a:schemeClr val="tx1">
+                    <a:lumMod val="75000"/>
+                    <a:lumOff val="25000"/>
+                  </a:schemeClr>
+                </a:solidFill>
+              </a:rPr>
+              <a:t>排序算法非常多，其中最基本的有选择排序、冒泡排序和插入排序。其本质上都是通过数组中的元素比较和交换来实现的，关键是数组下标的分析。</a:t>
             </a:r>
           </a:p>
         </p:txBody>
@@ -3707,7 +4037,7 @@
     </p:spTree>
     <p:extLst>
       <p:ext uri="{BB962C8B-B14F-4D97-AF65-F5344CB8AC3E}">
-        <p14:creationId xmlns:p14="http://schemas.microsoft.com/office/powerpoint/2010/main" val="740036641"/>
+        <p14:creationId xmlns:p14="http://schemas.microsoft.com/office/powerpoint/2010/main" val="3141396244"/>
       </p:ext>
     </p:extLst>
   </p:cSld>
@@ -3736,75 +4066,10 @@
       </p:grpSpPr>
       <p:sp>
         <p:nvSpPr>
-          <p:cNvPr id="2" name="Rectangle 27">
-            <a:extLst>
-              <a:ext uri="{FF2B5EF4-FFF2-40B4-BE49-F238E27FC236}">
-                <a16:creationId xmlns:a16="http://schemas.microsoft.com/office/drawing/2014/main" id="{8353659F-A98E-43AA-874D-F7B77696625B}"/>
-              </a:ext>
-            </a:extLst>
-          </p:cNvPr>
-          <p:cNvSpPr txBox="1">
-            <a:spLocks noChangeArrowheads="1"/>
-          </p:cNvSpPr>
-          <p:nvPr/>
-        </p:nvSpPr>
-        <p:spPr>
-          <a:xfrm>
-            <a:off x="1798839" y="308787"/>
-            <a:ext cx="4242324" cy="457256"/>
-          </a:xfrm>
-          <a:prstGeom prst="rect">
-            <a:avLst/>
-          </a:prstGeom>
-        </p:spPr>
-        <p:txBody>
-          <a:bodyPr/>
-          <a:lstStyle>
-            <a:lvl1pPr algn="l" defTabSz="914400" rtl="0" eaLnBrk="1" latinLnBrk="0" hangingPunct="1">
-              <a:lnSpc>
-                <a:spcPct val="90000"/>
-              </a:lnSpc>
-              <a:spcBef>
-                <a:spcPct val="0"/>
-              </a:spcBef>
-              <a:buNone/>
-              <a:defRPr sz="4400" kern="1200">
-                <a:solidFill>
-                  <a:schemeClr val="tx1"/>
-                </a:solidFill>
-                <a:latin typeface="+mj-lt"/>
-                <a:ea typeface="+mj-ea"/>
-                <a:cs typeface="+mj-cs"/>
-              </a:defRPr>
-            </a:lvl1pPr>
-          </a:lstStyle>
-          <a:p>
-            <a:r>
-              <a:rPr lang="zh-CN" altLang="en-US" sz="2800" b="1" i="1">
-                <a:ln w="22225">
-                  <a:solidFill>
-                    <a:schemeClr val="accent2"/>
-                  </a:solidFill>
-                  <a:prstDash val="solid"/>
-                </a:ln>
-                <a:solidFill>
-                  <a:schemeClr val="accent2">
-                    <a:lumMod val="40000"/>
-                    <a:lumOff val="60000"/>
-                  </a:schemeClr>
-                </a:solidFill>
-              </a:rPr>
-              <a:t>一维数组的元素排序</a:t>
-            </a:r>
-          </a:p>
-        </p:txBody>
-      </p:sp>
-      <p:sp>
-        <p:nvSpPr>
-          <p:cNvPr id="3" name="矩形 2">
-            <a:extLst>
-              <a:ext uri="{FF2B5EF4-FFF2-40B4-BE49-F238E27FC236}">
-                <a16:creationId xmlns:a16="http://schemas.microsoft.com/office/drawing/2014/main" id="{1412BCAC-D970-49FA-AF54-45DB37EA062C}"/>
+          <p:cNvPr id="2" name="矩形 2">
+            <a:extLst>
+              <a:ext uri="{FF2B5EF4-FFF2-40B4-BE49-F238E27FC236}">
+                <a16:creationId xmlns:a16="http://schemas.microsoft.com/office/drawing/2014/main" id="{3DEFE6ED-6139-4154-83EC-B474F682C370}"/>
               </a:ext>
             </a:extLst>
           </p:cNvPr>
@@ -3815,8 +4080,8 @@
         </p:nvSpPr>
         <p:spPr bwMode="auto">
           <a:xfrm>
-            <a:off x="387350" y="1055977"/>
-            <a:ext cx="10959523" cy="3715569"/>
+            <a:off x="468313" y="1125538"/>
+            <a:ext cx="11148723" cy="3152338"/>
           </a:xfrm>
           <a:prstGeom prst="rect">
             <a:avLst/>
@@ -3850,7 +4115,7 @@
             <a:spAutoFit/>
           </a:bodyPr>
           <a:lstStyle>
-            <a:lvl1pPr indent="574675">
+            <a:lvl1pPr>
               <a:spcBef>
                 <a:spcPct val="20000"/>
               </a:spcBef>
@@ -4015,7 +4280,7 @@
           <a:p>
             <a:pPr eaLnBrk="1" hangingPunct="1">
               <a:lnSpc>
-                <a:spcPct val="110000"/>
+                <a:spcPct val="120000"/>
               </a:lnSpc>
               <a:spcBef>
                 <a:spcPct val="0"/>
@@ -4024,29 +4289,34 @@
               <a:buNone/>
             </a:pPr>
             <a:r>
-              <a:rPr lang="zh-CN" altLang="en-US" sz="2400" b="0">
-                <a:solidFill>
-                  <a:schemeClr val="tx1">
-                    <a:lumMod val="75000"/>
-                    <a:lumOff val="25000"/>
-                  </a:schemeClr>
-                </a:solidFill>
-              </a:rPr>
-              <a:t>“排序”就是按照某个关键字的大小，将若干对象从小到大或者从大到小进行重新排列。关键字是对象的某一个属性，它可以是任何基本数据类型，甚至结构体等。</a:t>
-            </a:r>
-            <a:endParaRPr lang="en-US" altLang="zh-CN" sz="2400" b="0">
-              <a:solidFill>
-                <a:schemeClr val="tx1">
-                  <a:lumMod val="75000"/>
-                  <a:lumOff val="25000"/>
-                </a:schemeClr>
-              </a:solidFill>
-            </a:endParaRPr>
+              <a:rPr lang="zh-CN" altLang="en-US" sz="2400">
+                <a:solidFill>
+                  <a:srgbClr val="FF0000"/>
+                </a:solidFill>
+              </a:rPr>
+              <a:t>       算法</a:t>
+            </a:r>
+            <a:r>
+              <a:rPr lang="en-US" altLang="zh-CN" sz="2400">
+                <a:solidFill>
+                  <a:srgbClr val="FF0000"/>
+                </a:solidFill>
+              </a:rPr>
+              <a:t>1</a:t>
+            </a:r>
+            <a:r>
+              <a:rPr lang="zh-CN" altLang="en-US" sz="2400">
+                <a:solidFill>
+                  <a:srgbClr val="FF0000"/>
+                </a:solidFill>
+              </a:rPr>
+              <a:t>、选择排序</a:t>
+            </a:r>
           </a:p>
           <a:p>
             <a:pPr eaLnBrk="1" hangingPunct="1">
               <a:lnSpc>
-                <a:spcPct val="110000"/>
+                <a:spcPct val="120000"/>
               </a:lnSpc>
               <a:spcBef>
                 <a:spcPct val="0"/>
@@ -4063,7 +4333,7 @@
                   </a:schemeClr>
                 </a:solidFill>
               </a:rPr>
-              <a:t>例如，体育课上我们会按照身高从矮到高站队，这就是“升序”排序，身高是我们每个人的一个属性，也就是排序的关键字。再如，将所有单词按照“字典序”倒过来排序，如</a:t>
+              <a:t>       选择排序的基本思想是：每一趟从待排序的数据中，通过“打擂台”比较选出最小元素，放在这些数据的最前面。这样，第一趟把 </a:t>
             </a:r>
             <a:r>
               <a:rPr lang="en-US" altLang="zh-CN" sz="2400" b="0">
@@ -4074,7 +4344,7 @@
                   </a:schemeClr>
                 </a:solidFill>
               </a:rPr>
-              <a:t>zoo,yes,most,key,computer,book,bad,apple</a:t>
+              <a:t>n </a:t>
             </a:r>
             <a:r>
               <a:rPr lang="zh-CN" altLang="en-US" sz="2400" b="0">
@@ -4085,39 +4355,19 @@
                   </a:schemeClr>
                 </a:solidFill>
               </a:rPr>
-              <a:t>等，就是“降序”排序，关键字的类型就是字符串。</a:t>
-            </a:r>
-            <a:r>
-              <a:rPr lang="zh-CN" altLang="zh-CN" sz="2400" b="0">
-                <a:solidFill>
-                  <a:schemeClr val="tx1">
-                    <a:lumMod val="75000"/>
-                    <a:lumOff val="25000"/>
-                  </a:schemeClr>
-                </a:solidFill>
-              </a:rPr>
-              <a:t> </a:t>
-            </a:r>
-            <a:endParaRPr lang="zh-CN" altLang="en-US" sz="2400" b="0">
-              <a:solidFill>
-                <a:schemeClr val="tx1">
-                  <a:lumMod val="75000"/>
-                  <a:lumOff val="25000"/>
-                </a:schemeClr>
-              </a:solidFill>
-            </a:endParaRPr>
-          </a:p>
-          <a:p>
-            <a:pPr eaLnBrk="1" hangingPunct="1">
-              <a:lnSpc>
-                <a:spcPct val="110000"/>
-              </a:lnSpc>
-              <a:spcBef>
-                <a:spcPct val="0"/>
-              </a:spcBef>
-              <a:buFont typeface="Wingdings" panose="05000000000000000000" pitchFamily="2" charset="2"/>
-              <a:buNone/>
-            </a:pPr>
+              <a:t>个数中（第 </a:t>
+            </a:r>
+            <a:r>
+              <a:rPr lang="en-US" altLang="zh-CN" sz="2400" b="0">
+                <a:solidFill>
+                  <a:schemeClr val="tx1">
+                    <a:lumMod val="75000"/>
+                    <a:lumOff val="25000"/>
+                  </a:schemeClr>
+                </a:solidFill>
+              </a:rPr>
+              <a:t>1 </a:t>
+            </a:r>
             <a:r>
               <a:rPr lang="zh-CN" altLang="en-US" sz="2400" b="0">
                 <a:solidFill>
@@ -4127,7 +4377,337 @@
                   </a:schemeClr>
                 </a:solidFill>
               </a:rPr>
-              <a:t>排序算法非常多，其中最基本的有选择排序、冒泡排序和插入排序。其本质上都是通过数组中的元素比较和交换来实现的，关键是数组下标的分析。</a:t>
+              <a:t>个到第 </a:t>
+            </a:r>
+            <a:r>
+              <a:rPr lang="en-US" altLang="zh-CN" sz="2400" b="0">
+                <a:solidFill>
+                  <a:schemeClr val="tx1">
+                    <a:lumMod val="75000"/>
+                    <a:lumOff val="25000"/>
+                  </a:schemeClr>
+                </a:solidFill>
+              </a:rPr>
+              <a:t>n </a:t>
+            </a:r>
+            <a:r>
+              <a:rPr lang="zh-CN" altLang="en-US" sz="2400" b="0">
+                <a:solidFill>
+                  <a:schemeClr val="tx1">
+                    <a:lumMod val="75000"/>
+                    <a:lumOff val="25000"/>
+                  </a:schemeClr>
+                </a:solidFill>
+              </a:rPr>
+              <a:t>个）最小的放在第一个位置，第二趟把剩余的 </a:t>
+            </a:r>
+            <a:r>
+              <a:rPr lang="en-US" altLang="zh-CN" sz="2400" b="0">
+                <a:solidFill>
+                  <a:schemeClr val="tx1">
+                    <a:lumMod val="75000"/>
+                    <a:lumOff val="25000"/>
+                  </a:schemeClr>
+                </a:solidFill>
+              </a:rPr>
+              <a:t>n-1 </a:t>
+            </a:r>
+            <a:r>
+              <a:rPr lang="zh-CN" altLang="en-US" sz="2400" b="0">
+                <a:solidFill>
+                  <a:schemeClr val="tx1">
+                    <a:lumMod val="75000"/>
+                    <a:lumOff val="25000"/>
+                  </a:schemeClr>
+                </a:solidFill>
+              </a:rPr>
+              <a:t>个数中（第 </a:t>
+            </a:r>
+            <a:r>
+              <a:rPr lang="en-US" altLang="zh-CN" sz="2400" b="0">
+                <a:solidFill>
+                  <a:schemeClr val="tx1">
+                    <a:lumMod val="75000"/>
+                    <a:lumOff val="25000"/>
+                  </a:schemeClr>
+                </a:solidFill>
+              </a:rPr>
+              <a:t>2 </a:t>
+            </a:r>
+            <a:r>
+              <a:rPr lang="zh-CN" altLang="en-US" sz="2400" b="0">
+                <a:solidFill>
+                  <a:schemeClr val="tx1">
+                    <a:lumMod val="75000"/>
+                    <a:lumOff val="25000"/>
+                  </a:schemeClr>
+                </a:solidFill>
+              </a:rPr>
+              <a:t>个到第 </a:t>
+            </a:r>
+            <a:r>
+              <a:rPr lang="en-US" altLang="zh-CN" sz="2400" b="0">
+                <a:solidFill>
+                  <a:schemeClr val="tx1">
+                    <a:lumMod val="75000"/>
+                    <a:lumOff val="25000"/>
+                  </a:schemeClr>
+                </a:solidFill>
+              </a:rPr>
+              <a:t>n </a:t>
+            </a:r>
+            <a:r>
+              <a:rPr lang="zh-CN" altLang="en-US" sz="2400" b="0">
+                <a:solidFill>
+                  <a:schemeClr val="tx1">
+                    <a:lumMod val="75000"/>
+                    <a:lumOff val="25000"/>
+                  </a:schemeClr>
+                </a:solidFill>
+              </a:rPr>
+              <a:t>个）最小的放在第二个位置，第三趟把剩余的 </a:t>
+            </a:r>
+            <a:r>
+              <a:rPr lang="en-US" altLang="zh-CN" sz="2400" b="0">
+                <a:solidFill>
+                  <a:schemeClr val="tx1">
+                    <a:lumMod val="75000"/>
+                    <a:lumOff val="25000"/>
+                  </a:schemeClr>
+                </a:solidFill>
+              </a:rPr>
+              <a:t>n-2 </a:t>
+            </a:r>
+            <a:r>
+              <a:rPr lang="zh-CN" altLang="en-US" sz="2400" b="0">
+                <a:solidFill>
+                  <a:schemeClr val="tx1">
+                    <a:lumMod val="75000"/>
+                    <a:lumOff val="25000"/>
+                  </a:schemeClr>
+                </a:solidFill>
+              </a:rPr>
+              <a:t>个数中（第 </a:t>
+            </a:r>
+            <a:r>
+              <a:rPr lang="en-US" altLang="zh-CN" sz="2400" b="0">
+                <a:solidFill>
+                  <a:schemeClr val="tx1">
+                    <a:lumMod val="75000"/>
+                    <a:lumOff val="25000"/>
+                  </a:schemeClr>
+                </a:solidFill>
+              </a:rPr>
+              <a:t>3 </a:t>
+            </a:r>
+            <a:r>
+              <a:rPr lang="zh-CN" altLang="en-US" sz="2400" b="0">
+                <a:solidFill>
+                  <a:schemeClr val="tx1">
+                    <a:lumMod val="75000"/>
+                    <a:lumOff val="25000"/>
+                  </a:schemeClr>
+                </a:solidFill>
+              </a:rPr>
+              <a:t>个到第 </a:t>
+            </a:r>
+            <a:r>
+              <a:rPr lang="en-US" altLang="zh-CN" sz="2400" b="0">
+                <a:solidFill>
+                  <a:schemeClr val="tx1">
+                    <a:lumMod val="75000"/>
+                    <a:lumOff val="25000"/>
+                  </a:schemeClr>
+                </a:solidFill>
+              </a:rPr>
+              <a:t>n </a:t>
+            </a:r>
+            <a:r>
+              <a:rPr lang="zh-CN" altLang="en-US" sz="2400" b="0">
+                <a:solidFill>
+                  <a:schemeClr val="tx1">
+                    <a:lumMod val="75000"/>
+                    <a:lumOff val="25000"/>
+                  </a:schemeClr>
+                </a:solidFill>
+              </a:rPr>
+              <a:t>个）最小的放在第三个位，</a:t>
+            </a:r>
+            <a:r>
+              <a:rPr lang="en-US" altLang="zh-CN" sz="2400" b="0">
+                <a:solidFill>
+                  <a:schemeClr val="tx1">
+                    <a:lumMod val="75000"/>
+                    <a:lumOff val="25000"/>
+                  </a:schemeClr>
+                </a:solidFill>
+              </a:rPr>
+              <a:t>……</a:t>
+            </a:r>
+            <a:r>
+              <a:rPr lang="zh-CN" altLang="en-US" sz="2400" b="0">
+                <a:solidFill>
+                  <a:schemeClr val="tx1">
+                    <a:lumMod val="75000"/>
+                    <a:lumOff val="25000"/>
+                  </a:schemeClr>
+                </a:solidFill>
+              </a:rPr>
+              <a:t>第 </a:t>
+            </a:r>
+            <a:r>
+              <a:rPr lang="en-US" altLang="zh-CN" sz="2400" b="0">
+                <a:solidFill>
+                  <a:schemeClr val="tx1">
+                    <a:lumMod val="75000"/>
+                    <a:lumOff val="25000"/>
+                  </a:schemeClr>
+                </a:solidFill>
+              </a:rPr>
+              <a:t>n-1 </a:t>
+            </a:r>
+            <a:r>
+              <a:rPr lang="zh-CN" altLang="en-US" sz="2400" b="0">
+                <a:solidFill>
+                  <a:schemeClr val="tx1">
+                    <a:lumMod val="75000"/>
+                    <a:lumOff val="25000"/>
+                  </a:schemeClr>
+                </a:solidFill>
+              </a:rPr>
+              <a:t>趟把剩下的 </a:t>
+            </a:r>
+            <a:r>
+              <a:rPr lang="en-US" altLang="zh-CN" sz="2400" b="0">
+                <a:solidFill>
+                  <a:schemeClr val="tx1">
+                    <a:lumMod val="75000"/>
+                    <a:lumOff val="25000"/>
+                  </a:schemeClr>
+                </a:solidFill>
+              </a:rPr>
+              <a:t>2 </a:t>
+            </a:r>
+            <a:r>
+              <a:rPr lang="zh-CN" altLang="en-US" sz="2400" b="0">
+                <a:solidFill>
+                  <a:schemeClr val="tx1">
+                    <a:lumMod val="75000"/>
+                    <a:lumOff val="25000"/>
+                  </a:schemeClr>
+                </a:solidFill>
+              </a:rPr>
+              <a:t>个数中（第 </a:t>
+            </a:r>
+            <a:r>
+              <a:rPr lang="en-US" altLang="zh-CN" sz="2400" b="0">
+                <a:solidFill>
+                  <a:schemeClr val="tx1">
+                    <a:lumMod val="75000"/>
+                    <a:lumOff val="25000"/>
+                  </a:schemeClr>
+                </a:solidFill>
+              </a:rPr>
+              <a:t>n-1 </a:t>
+            </a:r>
+            <a:r>
+              <a:rPr lang="zh-CN" altLang="en-US" sz="2400" b="0">
+                <a:solidFill>
+                  <a:schemeClr val="tx1">
+                    <a:lumMod val="75000"/>
+                    <a:lumOff val="25000"/>
+                  </a:schemeClr>
+                </a:solidFill>
+              </a:rPr>
+              <a:t>个到第 </a:t>
+            </a:r>
+            <a:r>
+              <a:rPr lang="en-US" altLang="zh-CN" sz="2400" b="0">
+                <a:solidFill>
+                  <a:schemeClr val="tx1">
+                    <a:lumMod val="75000"/>
+                    <a:lumOff val="25000"/>
+                  </a:schemeClr>
+                </a:solidFill>
+              </a:rPr>
+              <a:t>n </a:t>
+            </a:r>
+            <a:r>
+              <a:rPr lang="zh-CN" altLang="en-US" sz="2400" b="0">
+                <a:solidFill>
+                  <a:schemeClr val="tx1">
+                    <a:lumMod val="75000"/>
+                    <a:lumOff val="25000"/>
+                  </a:schemeClr>
+                </a:solidFill>
+              </a:rPr>
+              <a:t>个）最小的放在第 </a:t>
+            </a:r>
+            <a:r>
+              <a:rPr lang="en-US" altLang="zh-CN" sz="2400" b="0">
+                <a:solidFill>
+                  <a:schemeClr val="tx1">
+                    <a:lumMod val="75000"/>
+                    <a:lumOff val="25000"/>
+                  </a:schemeClr>
+                </a:solidFill>
+              </a:rPr>
+              <a:t>n-1 </a:t>
+            </a:r>
+            <a:r>
+              <a:rPr lang="zh-CN" altLang="en-US" sz="2400" b="0">
+                <a:solidFill>
+                  <a:schemeClr val="tx1">
+                    <a:lumMod val="75000"/>
+                    <a:lumOff val="25000"/>
+                  </a:schemeClr>
+                </a:solidFill>
+              </a:rPr>
+              <a:t>个位置，剩下的最后一个数（第 </a:t>
+            </a:r>
+            <a:r>
+              <a:rPr lang="en-US" altLang="zh-CN" sz="2400" b="0">
+                <a:solidFill>
+                  <a:schemeClr val="tx1">
+                    <a:lumMod val="75000"/>
+                    <a:lumOff val="25000"/>
+                  </a:schemeClr>
+                </a:solidFill>
+              </a:rPr>
+              <a:t>n </a:t>
+            </a:r>
+            <a:r>
+              <a:rPr lang="zh-CN" altLang="en-US" sz="2400" b="0">
+                <a:solidFill>
+                  <a:schemeClr val="tx1">
+                    <a:lumMod val="75000"/>
+                    <a:lumOff val="25000"/>
+                  </a:schemeClr>
+                </a:solidFill>
+              </a:rPr>
+              <a:t>个）一定最大，自然落在了第 </a:t>
+            </a:r>
+            <a:r>
+              <a:rPr lang="en-US" altLang="zh-CN" sz="2400" b="0">
+                <a:solidFill>
+                  <a:schemeClr val="tx1">
+                    <a:lumMod val="75000"/>
+                    <a:lumOff val="25000"/>
+                  </a:schemeClr>
+                </a:solidFill>
+              </a:rPr>
+              <a:t>n</a:t>
+            </a:r>
+            <a:r>
+              <a:rPr lang="zh-CN" altLang="en-US" sz="2400" b="0">
+                <a:solidFill>
+                  <a:schemeClr val="tx1">
+                    <a:lumMod val="75000"/>
+                    <a:lumOff val="25000"/>
+                  </a:schemeClr>
+                </a:solidFill>
+              </a:rPr>
+              <a:t>个位置。</a:t>
             </a:r>
           </a:p>
         </p:txBody>
@@ -4135,7 +4715,7 @@
     </p:spTree>
     <p:extLst>
       <p:ext uri="{BB962C8B-B14F-4D97-AF65-F5344CB8AC3E}">
-        <p14:creationId xmlns:p14="http://schemas.microsoft.com/office/powerpoint/2010/main" val="3141396244"/>
+        <p14:creationId xmlns:p14="http://schemas.microsoft.com/office/powerpoint/2010/main" val="4200385488"/>
       </p:ext>
     </p:extLst>
   </p:cSld>
@@ -4162,24 +4742,37 @@
           <a:chExt cx="0" cy="0"/>
         </a:xfrm>
       </p:grpSpPr>
-      <p:sp>
-        <p:nvSpPr>
-          <p:cNvPr id="2" name="矩形 2">
-            <a:extLst>
-              <a:ext uri="{FF2B5EF4-FFF2-40B4-BE49-F238E27FC236}">
-                <a16:creationId xmlns:a16="http://schemas.microsoft.com/office/drawing/2014/main" id="{3DEFE6ED-6139-4154-83EC-B474F682C370}"/>
-              </a:ext>
-            </a:extLst>
-          </p:cNvPr>
-          <p:cNvSpPr>
-            <a:spLocks noChangeArrowheads="1"/>
-          </p:cNvSpPr>
+      <p:pic>
+        <p:nvPicPr>
+          <p:cNvPr id="2" name="Picture 2">
+            <a:extLst>
+              <a:ext uri="{FF2B5EF4-FFF2-40B4-BE49-F238E27FC236}">
+                <a16:creationId xmlns:a16="http://schemas.microsoft.com/office/drawing/2014/main" id="{5EFAFE57-753C-41ED-881C-2D2F4CA0D679}"/>
+              </a:ext>
+            </a:extLst>
+          </p:cNvPr>
+          <p:cNvPicPr>
+            <a:picLocks noChangeAspect="1" noChangeArrowheads="1"/>
+          </p:cNvPicPr>
           <p:nvPr/>
-        </p:nvSpPr>
+        </p:nvPicPr>
+        <p:blipFill>
+          <a:blip r:embed="rId2">
+            <a:extLst>
+              <a:ext uri="{28A0092B-C50C-407E-A947-70E740481C1C}">
+                <a14:useLocalDpi xmlns:a14="http://schemas.microsoft.com/office/drawing/2010/main" val="0"/>
+              </a:ext>
+            </a:extLst>
+          </a:blip>
+          <a:srcRect/>
+          <a:stretch>
+            <a:fillRect/>
+          </a:stretch>
+        </p:blipFill>
         <p:spPr bwMode="auto">
           <a:xfrm>
-            <a:off x="468313" y="1125538"/>
-            <a:ext cx="11148723" cy="3152338"/>
+            <a:off x="1542133" y="1072001"/>
+            <a:ext cx="8615363" cy="2879725"/>
           </a:xfrm>
           <a:prstGeom prst="rect">
             <a:avLst/>
@@ -4192,14 +4785,14 @@
             <a:ext uri="{909E8E84-426E-40DD-AFC4-6F175D3DCCD1}">
               <a14:hiddenFill xmlns:a14="http://schemas.microsoft.com/office/drawing/2010/main">
                 <a:solidFill>
-                  <a:srgbClr val="FFFFFF"/>
+                  <a:schemeClr val="accent1"/>
                 </a:solidFill>
               </a14:hiddenFill>
             </a:ext>
             <a:ext uri="{91240B29-F687-4F45-9708-019B960494DF}">
               <a14:hiddenLine xmlns:a14="http://schemas.microsoft.com/office/drawing/2010/main" w="9525">
                 <a:solidFill>
-                  <a:srgbClr val="000000"/>
+                  <a:schemeClr val="tx1"/>
                 </a:solidFill>
                 <a:miter lim="800000"/>
                 <a:headEnd/>
@@ -4208,255 +4801,49 @@
             </a:ext>
           </a:extLst>
         </p:spPr>
+      </p:pic>
+      <p:sp>
+        <p:nvSpPr>
+          <p:cNvPr id="4" name="文本框 3">
+            <a:extLst>
+              <a:ext uri="{FF2B5EF4-FFF2-40B4-BE49-F238E27FC236}">
+                <a16:creationId xmlns:a16="http://schemas.microsoft.com/office/drawing/2014/main" id="{8C57B31C-3D4D-469E-8833-B1848B51B2E7}"/>
+              </a:ext>
+            </a:extLst>
+          </p:cNvPr>
+          <p:cNvSpPr txBox="1"/>
+          <p:nvPr/>
+        </p:nvSpPr>
+        <p:spPr>
+          <a:xfrm>
+            <a:off x="1477106" y="4180166"/>
+            <a:ext cx="8870462" cy="1938992"/>
+          </a:xfrm>
+          <a:prstGeom prst="rect">
+            <a:avLst/>
+          </a:prstGeom>
+          <a:noFill/>
+        </p:spPr>
         <p:txBody>
           <a:bodyPr wrap="square">
             <a:spAutoFit/>
           </a:bodyPr>
-          <a:lstStyle>
-            <a:lvl1pPr>
-              <a:spcBef>
-                <a:spcPct val="20000"/>
-              </a:spcBef>
-              <a:buClr>
-                <a:schemeClr val="accent2"/>
-              </a:buClr>
-              <a:buSzPct val="80000"/>
-              <a:buFont typeface="Wingdings" panose="05000000000000000000" pitchFamily="2" charset="2"/>
-              <a:buChar char="l"/>
-              <a:defRPr kumimoji="1" sz="3200" b="1">
-                <a:solidFill>
-                  <a:srgbClr val="000066"/>
-                </a:solidFill>
-                <a:latin typeface="Times New Roman" panose="02020603050405020304" pitchFamily="18" charset="0"/>
-                <a:ea typeface="宋体" panose="02010600030101010101" pitchFamily="2" charset="-122"/>
-              </a:defRPr>
-            </a:lvl1pPr>
-            <a:lvl2pPr marL="742950" indent="-285750">
-              <a:spcBef>
-                <a:spcPct val="20000"/>
-              </a:spcBef>
-              <a:buClr>
-                <a:schemeClr val="tx1"/>
-              </a:buClr>
-              <a:buSzPct val="90000"/>
-              <a:buChar char="–"/>
-              <a:defRPr kumimoji="1" sz="2800" b="1">
-                <a:solidFill>
-                  <a:srgbClr val="000066"/>
-                </a:solidFill>
-                <a:latin typeface="Times New Roman" panose="02020603050405020304" pitchFamily="18" charset="0"/>
-                <a:ea typeface="宋体" panose="02010600030101010101" pitchFamily="2" charset="-122"/>
-              </a:defRPr>
-            </a:lvl2pPr>
-            <a:lvl3pPr marL="1143000" indent="-228600">
-              <a:spcBef>
-                <a:spcPct val="20000"/>
-              </a:spcBef>
-              <a:buClr>
-                <a:schemeClr val="accent1"/>
-              </a:buClr>
-              <a:buSzPct val="60000"/>
-              <a:buFont typeface="Wingdings" panose="05000000000000000000" pitchFamily="2" charset="2"/>
-              <a:buChar char="l"/>
-              <a:defRPr kumimoji="1" sz="2400" b="1">
-                <a:solidFill>
-                  <a:srgbClr val="000066"/>
-                </a:solidFill>
-                <a:latin typeface="Times New Roman" panose="02020603050405020304" pitchFamily="18" charset="0"/>
-                <a:ea typeface="宋体" panose="02010600030101010101" pitchFamily="2" charset="-122"/>
-              </a:defRPr>
-            </a:lvl3pPr>
-            <a:lvl4pPr marL="1600200" indent="-228600">
-              <a:spcBef>
-                <a:spcPct val="20000"/>
-              </a:spcBef>
-              <a:buClr>
-                <a:schemeClr val="tx1"/>
-              </a:buClr>
-              <a:buChar char="–"/>
-              <a:defRPr kumimoji="1" sz="2000" b="1">
-                <a:solidFill>
-                  <a:srgbClr val="000066"/>
-                </a:solidFill>
-                <a:latin typeface="Times New Roman" panose="02020603050405020304" pitchFamily="18" charset="0"/>
-                <a:ea typeface="宋体" panose="02010600030101010101" pitchFamily="2" charset="-122"/>
-              </a:defRPr>
-            </a:lvl4pPr>
-            <a:lvl5pPr marL="2057400" indent="-228600">
-              <a:spcBef>
-                <a:spcPct val="20000"/>
-              </a:spcBef>
-              <a:buClr>
-                <a:schemeClr val="accent1"/>
-              </a:buClr>
-              <a:buChar char="•"/>
-              <a:defRPr kumimoji="1" sz="2000" b="1">
-                <a:solidFill>
-                  <a:srgbClr val="000066"/>
-                </a:solidFill>
-                <a:latin typeface="Times New Roman" panose="02020603050405020304" pitchFamily="18" charset="0"/>
-                <a:ea typeface="宋体" panose="02010600030101010101" pitchFamily="2" charset="-122"/>
-              </a:defRPr>
-            </a:lvl5pPr>
-            <a:lvl6pPr marL="2514600" indent="-228600" eaLnBrk="0" fontAlgn="base" hangingPunct="0">
-              <a:spcBef>
-                <a:spcPct val="20000"/>
-              </a:spcBef>
-              <a:spcAft>
-                <a:spcPct val="0"/>
-              </a:spcAft>
-              <a:buClr>
-                <a:schemeClr val="accent1"/>
-              </a:buClr>
-              <a:buChar char="•"/>
-              <a:defRPr kumimoji="1" sz="2000" b="1">
-                <a:solidFill>
-                  <a:srgbClr val="000066"/>
-                </a:solidFill>
-                <a:latin typeface="Times New Roman" panose="02020603050405020304" pitchFamily="18" charset="0"/>
-                <a:ea typeface="宋体" panose="02010600030101010101" pitchFamily="2" charset="-122"/>
-              </a:defRPr>
-            </a:lvl6pPr>
-            <a:lvl7pPr marL="2971800" indent="-228600" eaLnBrk="0" fontAlgn="base" hangingPunct="0">
-              <a:spcBef>
-                <a:spcPct val="20000"/>
-              </a:spcBef>
-              <a:spcAft>
-                <a:spcPct val="0"/>
-              </a:spcAft>
-              <a:buClr>
-                <a:schemeClr val="accent1"/>
-              </a:buClr>
-              <a:buChar char="•"/>
-              <a:defRPr kumimoji="1" sz="2000" b="1">
-                <a:solidFill>
-                  <a:srgbClr val="000066"/>
-                </a:solidFill>
-                <a:latin typeface="Times New Roman" panose="02020603050405020304" pitchFamily="18" charset="0"/>
-                <a:ea typeface="宋体" panose="02010600030101010101" pitchFamily="2" charset="-122"/>
-              </a:defRPr>
-            </a:lvl7pPr>
-            <a:lvl8pPr marL="3429000" indent="-228600" eaLnBrk="0" fontAlgn="base" hangingPunct="0">
-              <a:spcBef>
-                <a:spcPct val="20000"/>
-              </a:spcBef>
-              <a:spcAft>
-                <a:spcPct val="0"/>
-              </a:spcAft>
-              <a:buClr>
-                <a:schemeClr val="accent1"/>
-              </a:buClr>
-              <a:buChar char="•"/>
-              <a:defRPr kumimoji="1" sz="2000" b="1">
-                <a:solidFill>
-                  <a:srgbClr val="000066"/>
-                </a:solidFill>
-                <a:latin typeface="Times New Roman" panose="02020603050405020304" pitchFamily="18" charset="0"/>
-                <a:ea typeface="宋体" panose="02010600030101010101" pitchFamily="2" charset="-122"/>
-              </a:defRPr>
-            </a:lvl8pPr>
-            <a:lvl9pPr marL="3886200" indent="-228600" eaLnBrk="0" fontAlgn="base" hangingPunct="0">
-              <a:spcBef>
-                <a:spcPct val="20000"/>
-              </a:spcBef>
-              <a:spcAft>
-                <a:spcPct val="0"/>
-              </a:spcAft>
-              <a:buClr>
-                <a:schemeClr val="accent1"/>
-              </a:buClr>
-              <a:buChar char="•"/>
-              <a:defRPr kumimoji="1" sz="2000" b="1">
-                <a:solidFill>
-                  <a:srgbClr val="000066"/>
-                </a:solidFill>
-                <a:latin typeface="Times New Roman" panose="02020603050405020304" pitchFamily="18" charset="0"/>
-                <a:ea typeface="宋体" panose="02010600030101010101" pitchFamily="2" charset="-122"/>
-              </a:defRPr>
-            </a:lvl9pPr>
-          </a:lstStyle>
-          <a:p>
-            <a:pPr eaLnBrk="1" hangingPunct="1">
-              <a:lnSpc>
-                <a:spcPct val="120000"/>
-              </a:lnSpc>
-              <a:spcBef>
-                <a:spcPct val="0"/>
-              </a:spcBef>
-              <a:buFont typeface="Wingdings" panose="05000000000000000000" pitchFamily="2" charset="2"/>
-              <a:buNone/>
-            </a:pPr>
-            <a:r>
-              <a:rPr lang="zh-CN" altLang="en-US" sz="2400">
-                <a:solidFill>
-                  <a:srgbClr val="FF0000"/>
-                </a:solidFill>
-              </a:rPr>
-              <a:t>       算法</a:t>
-            </a:r>
-            <a:r>
-              <a:rPr lang="en-US" altLang="zh-CN" sz="2400">
-                <a:solidFill>
-                  <a:srgbClr val="FF0000"/>
-                </a:solidFill>
-              </a:rPr>
-              <a:t>1</a:t>
-            </a:r>
-            <a:r>
-              <a:rPr lang="zh-CN" altLang="en-US" sz="2400">
-                <a:solidFill>
-                  <a:srgbClr val="FF0000"/>
-                </a:solidFill>
-              </a:rPr>
-              <a:t>、选择排序</a:t>
-            </a:r>
-          </a:p>
-          <a:p>
-            <a:pPr eaLnBrk="1" hangingPunct="1">
-              <a:lnSpc>
-                <a:spcPct val="120000"/>
-              </a:lnSpc>
-              <a:spcBef>
-                <a:spcPct val="0"/>
-              </a:spcBef>
-              <a:buFont typeface="Wingdings" panose="05000000000000000000" pitchFamily="2" charset="2"/>
-              <a:buNone/>
-            </a:pPr>
-            <a:r>
-              <a:rPr lang="zh-CN" altLang="en-US" sz="2400" b="0">
-                <a:solidFill>
-                  <a:schemeClr val="tx1">
-                    <a:lumMod val="75000"/>
-                    <a:lumOff val="25000"/>
-                  </a:schemeClr>
-                </a:solidFill>
-              </a:rPr>
-              <a:t>       选择排序的基本思想是：每一趟从待排序的数据中，通过“打擂台”比较选出最小元素，放在这些数据的最前面。这样，第一趟把 </a:t>
-            </a:r>
-            <a:r>
-              <a:rPr lang="en-US" altLang="zh-CN" sz="2400" b="0">
-                <a:solidFill>
-                  <a:schemeClr val="tx1">
-                    <a:lumMod val="75000"/>
-                    <a:lumOff val="25000"/>
-                  </a:schemeClr>
-                </a:solidFill>
-              </a:rPr>
-              <a:t>n </a:t>
-            </a:r>
-            <a:r>
-              <a:rPr lang="zh-CN" altLang="en-US" sz="2400" b="0">
-                <a:solidFill>
-                  <a:schemeClr val="tx1">
-                    <a:lumMod val="75000"/>
-                    <a:lumOff val="25000"/>
-                  </a:schemeClr>
-                </a:solidFill>
-              </a:rPr>
-              <a:t>个数中（第 </a:t>
-            </a:r>
-            <a:r>
-              <a:rPr lang="en-US" altLang="zh-CN" sz="2400" b="0">
+          <a:lstStyle/>
+          <a:p>
+            <a:pPr algn="l"/>
+            <a:r>
+              <a:rPr lang="zh-CN" altLang="en-US" sz="2000">
+                <a:solidFill>
+                  <a:schemeClr val="tx1">
+                    <a:lumMod val="75000"/>
+                    <a:lumOff val="25000"/>
+                  </a:schemeClr>
+                </a:solidFill>
+              </a:rPr>
+              <a:t>选择排序使用了线性查找来寻找最小值，因此在第 </a:t>
+            </a:r>
+            <a:r>
+              <a:rPr lang="en-US" altLang="zh-CN" sz="2000">
                 <a:solidFill>
                   <a:schemeClr val="tx1">
                     <a:lumMod val="75000"/>
@@ -4467,62 +4854,40 @@
               <a:t>1 </a:t>
             </a:r>
             <a:r>
-              <a:rPr lang="zh-CN" altLang="en-US" sz="2400" b="0">
-                <a:solidFill>
-                  <a:schemeClr val="tx1">
-                    <a:lumMod val="75000"/>
-                    <a:lumOff val="25000"/>
-                  </a:schemeClr>
-                </a:solidFill>
-              </a:rPr>
-              <a:t>个到第 </a:t>
-            </a:r>
-            <a:r>
-              <a:rPr lang="en-US" altLang="zh-CN" sz="2400" b="0">
-                <a:solidFill>
-                  <a:schemeClr val="tx1">
-                    <a:lumMod val="75000"/>
-                    <a:lumOff val="25000"/>
-                  </a:schemeClr>
-                </a:solidFill>
-              </a:rPr>
-              <a:t>n </a:t>
-            </a:r>
-            <a:r>
-              <a:rPr lang="zh-CN" altLang="en-US" sz="2400" b="0">
-                <a:solidFill>
-                  <a:schemeClr val="tx1">
-                    <a:lumMod val="75000"/>
-                    <a:lumOff val="25000"/>
-                  </a:schemeClr>
-                </a:solidFill>
-              </a:rPr>
-              <a:t>个）最小的放在第一个位置，第二趟把剩余的 </a:t>
-            </a:r>
-            <a:r>
-              <a:rPr lang="en-US" altLang="zh-CN" sz="2400" b="0">
-                <a:solidFill>
-                  <a:schemeClr val="tx1">
-                    <a:lumMod val="75000"/>
-                    <a:lumOff val="25000"/>
-                  </a:schemeClr>
-                </a:solidFill>
-              </a:rPr>
-              <a:t>n-1 </a:t>
-            </a:r>
-            <a:r>
-              <a:rPr lang="zh-CN" altLang="en-US" sz="2400" b="0">
-                <a:solidFill>
-                  <a:schemeClr val="tx1">
-                    <a:lumMod val="75000"/>
-                    <a:lumOff val="25000"/>
-                  </a:schemeClr>
-                </a:solidFill>
-              </a:rPr>
-              <a:t>个数中（第 </a:t>
-            </a:r>
-            <a:r>
-              <a:rPr lang="en-US" altLang="zh-CN" sz="2400" b="0">
+              <a:rPr lang="zh-CN" altLang="en-US" sz="2000">
+                <a:solidFill>
+                  <a:schemeClr val="tx1">
+                    <a:lumMod val="75000"/>
+                    <a:lumOff val="25000"/>
+                  </a:schemeClr>
+                </a:solidFill>
+              </a:rPr>
+              <a:t>轮中需要比较 </a:t>
+            </a:r>
+            <a:r>
+              <a:rPr lang="en-US" altLang="zh-CN" sz="2000">
+                <a:solidFill>
+                  <a:schemeClr val="tx1">
+                    <a:lumMod val="75000"/>
+                    <a:lumOff val="25000"/>
+                  </a:schemeClr>
+                </a:solidFill>
+              </a:rPr>
+              <a:t>n - 1 </a:t>
+            </a:r>
+            <a:r>
+              <a:rPr lang="zh-CN" altLang="en-US" sz="2000">
+                <a:solidFill>
+                  <a:schemeClr val="tx1">
+                    <a:lumMod val="75000"/>
+                    <a:lumOff val="25000"/>
+                  </a:schemeClr>
+                </a:solidFill>
+              </a:rPr>
+              <a:t>个数字，第</a:t>
+            </a:r>
+            <a:r>
+              <a:rPr lang="en-US" altLang="zh-CN" sz="2000">
                 <a:solidFill>
                   <a:schemeClr val="tx1">
                     <a:lumMod val="75000"/>
@@ -4533,106 +4898,40 @@
               <a:t>2 </a:t>
             </a:r>
             <a:r>
-              <a:rPr lang="zh-CN" altLang="en-US" sz="2400" b="0">
-                <a:solidFill>
-                  <a:schemeClr val="tx1">
-                    <a:lumMod val="75000"/>
-                    <a:lumOff val="25000"/>
-                  </a:schemeClr>
-                </a:solidFill>
-              </a:rPr>
-              <a:t>个到第 </a:t>
-            </a:r>
-            <a:r>
-              <a:rPr lang="en-US" altLang="zh-CN" sz="2400" b="0">
-                <a:solidFill>
-                  <a:schemeClr val="tx1">
-                    <a:lumMod val="75000"/>
-                    <a:lumOff val="25000"/>
-                  </a:schemeClr>
-                </a:solidFill>
-              </a:rPr>
-              <a:t>n </a:t>
-            </a:r>
-            <a:r>
-              <a:rPr lang="zh-CN" altLang="en-US" sz="2400" b="0">
-                <a:solidFill>
-                  <a:schemeClr val="tx1">
-                    <a:lumMod val="75000"/>
-                    <a:lumOff val="25000"/>
-                  </a:schemeClr>
-                </a:solidFill>
-              </a:rPr>
-              <a:t>个）最小的放在第二个位置，第三趟把剩余的 </a:t>
-            </a:r>
-            <a:r>
-              <a:rPr lang="en-US" altLang="zh-CN" sz="2400" b="0">
-                <a:solidFill>
-                  <a:schemeClr val="tx1">
-                    <a:lumMod val="75000"/>
-                    <a:lumOff val="25000"/>
-                  </a:schemeClr>
-                </a:solidFill>
-              </a:rPr>
-              <a:t>n-2 </a:t>
-            </a:r>
-            <a:r>
-              <a:rPr lang="zh-CN" altLang="en-US" sz="2400" b="0">
-                <a:solidFill>
-                  <a:schemeClr val="tx1">
-                    <a:lumMod val="75000"/>
-                    <a:lumOff val="25000"/>
-                  </a:schemeClr>
-                </a:solidFill>
-              </a:rPr>
-              <a:t>个数中（第 </a:t>
-            </a:r>
-            <a:r>
-              <a:rPr lang="en-US" altLang="zh-CN" sz="2400" b="0">
-                <a:solidFill>
-                  <a:schemeClr val="tx1">
-                    <a:lumMod val="75000"/>
-                    <a:lumOff val="25000"/>
-                  </a:schemeClr>
-                </a:solidFill>
-              </a:rPr>
-              <a:t>3 </a:t>
-            </a:r>
-            <a:r>
-              <a:rPr lang="zh-CN" altLang="en-US" sz="2400" b="0">
-                <a:solidFill>
-                  <a:schemeClr val="tx1">
-                    <a:lumMod val="75000"/>
-                    <a:lumOff val="25000"/>
-                  </a:schemeClr>
-                </a:solidFill>
-              </a:rPr>
-              <a:t>个到第 </a:t>
-            </a:r>
-            <a:r>
-              <a:rPr lang="en-US" altLang="zh-CN" sz="2400" b="0">
-                <a:solidFill>
-                  <a:schemeClr val="tx1">
-                    <a:lumMod val="75000"/>
-                    <a:lumOff val="25000"/>
-                  </a:schemeClr>
-                </a:solidFill>
-              </a:rPr>
-              <a:t>n </a:t>
-            </a:r>
-            <a:r>
-              <a:rPr lang="zh-CN" altLang="en-US" sz="2400" b="0">
-                <a:solidFill>
-                  <a:schemeClr val="tx1">
-                    <a:lumMod val="75000"/>
-                    <a:lumOff val="25000"/>
-                  </a:schemeClr>
-                </a:solidFill>
-              </a:rPr>
-              <a:t>个）最小的放在第三个位，</a:t>
-            </a:r>
-            <a:r>
-              <a:rPr lang="en-US" altLang="zh-CN" sz="2400" b="0">
+              <a:rPr lang="zh-CN" altLang="en-US" sz="2000">
+                <a:solidFill>
+                  <a:schemeClr val="tx1">
+                    <a:lumMod val="75000"/>
+                    <a:lumOff val="25000"/>
+                  </a:schemeClr>
+                </a:solidFill>
+              </a:rPr>
+              <a:t>轮需要比较 </a:t>
+            </a:r>
+            <a:r>
+              <a:rPr lang="en-US" altLang="zh-CN" sz="2000">
+                <a:solidFill>
+                  <a:schemeClr val="tx1">
+                    <a:lumMod val="75000"/>
+                    <a:lumOff val="25000"/>
+                  </a:schemeClr>
+                </a:solidFill>
+              </a:rPr>
+              <a:t>n -2 </a:t>
+            </a:r>
+            <a:r>
+              <a:rPr lang="zh-CN" altLang="en-US" sz="2000">
+                <a:solidFill>
+                  <a:schemeClr val="tx1">
+                    <a:lumMod val="75000"/>
+                    <a:lumOff val="25000"/>
+                  </a:schemeClr>
+                </a:solidFill>
+              </a:rPr>
+              <a:t>个数字</a:t>
+            </a:r>
+            <a:r>
+              <a:rPr lang="en-US" altLang="zh-CN" sz="2000">
                 <a:solidFill>
                   <a:schemeClr val="tx1">
                     <a:lumMod val="75000"/>
@@ -4643,177 +4942,210 @@
               <a:t>……</a:t>
             </a:r>
             <a:r>
-              <a:rPr lang="zh-CN" altLang="en-US" sz="2400" b="0">
-                <a:solidFill>
-                  <a:schemeClr val="tx1">
-                    <a:lumMod val="75000"/>
-                    <a:lumOff val="25000"/>
-                  </a:schemeClr>
-                </a:solidFill>
-              </a:rPr>
-              <a:t>第 </a:t>
-            </a:r>
-            <a:r>
-              <a:rPr lang="en-US" altLang="zh-CN" sz="2400" b="0">
-                <a:solidFill>
-                  <a:schemeClr val="tx1">
-                    <a:lumMod val="75000"/>
-                    <a:lumOff val="25000"/>
-                  </a:schemeClr>
-                </a:solidFill>
-              </a:rPr>
-              <a:t>n-1 </a:t>
-            </a:r>
-            <a:r>
-              <a:rPr lang="zh-CN" altLang="en-US" sz="2400" b="0">
-                <a:solidFill>
-                  <a:schemeClr val="tx1">
-                    <a:lumMod val="75000"/>
-                    <a:lumOff val="25000"/>
-                  </a:schemeClr>
-                </a:solidFill>
-              </a:rPr>
-              <a:t>趟把剩下的 </a:t>
-            </a:r>
-            <a:r>
-              <a:rPr lang="en-US" altLang="zh-CN" sz="2400" b="0">
-                <a:solidFill>
-                  <a:schemeClr val="tx1">
-                    <a:lumMod val="75000"/>
-                    <a:lumOff val="25000"/>
-                  </a:schemeClr>
-                </a:solidFill>
-              </a:rPr>
-              <a:t>2 </a:t>
-            </a:r>
-            <a:r>
-              <a:rPr lang="zh-CN" altLang="en-US" sz="2400" b="0">
-                <a:solidFill>
-                  <a:schemeClr val="tx1">
-                    <a:lumMod val="75000"/>
-                    <a:lumOff val="25000"/>
-                  </a:schemeClr>
-                </a:solidFill>
-              </a:rPr>
-              <a:t>个数中（第 </a:t>
-            </a:r>
-            <a:r>
-              <a:rPr lang="en-US" altLang="zh-CN" sz="2400" b="0">
-                <a:solidFill>
-                  <a:schemeClr val="tx1">
-                    <a:lumMod val="75000"/>
-                    <a:lumOff val="25000"/>
-                  </a:schemeClr>
-                </a:solidFill>
-              </a:rPr>
-              <a:t>n-1 </a:t>
-            </a:r>
-            <a:r>
-              <a:rPr lang="zh-CN" altLang="en-US" sz="2400" b="0">
-                <a:solidFill>
-                  <a:schemeClr val="tx1">
-                    <a:lumMod val="75000"/>
-                    <a:lumOff val="25000"/>
-                  </a:schemeClr>
-                </a:solidFill>
-              </a:rPr>
-              <a:t>个到第 </a:t>
-            </a:r>
-            <a:r>
-              <a:rPr lang="en-US" altLang="zh-CN" sz="2400" b="0">
-                <a:solidFill>
-                  <a:schemeClr val="tx1">
-                    <a:lumMod val="75000"/>
-                    <a:lumOff val="25000"/>
-                  </a:schemeClr>
-                </a:solidFill>
-              </a:rPr>
-              <a:t>n </a:t>
-            </a:r>
-            <a:r>
-              <a:rPr lang="zh-CN" altLang="en-US" sz="2400" b="0">
-                <a:solidFill>
-                  <a:schemeClr val="tx1">
-                    <a:lumMod val="75000"/>
-                    <a:lumOff val="25000"/>
-                  </a:schemeClr>
-                </a:solidFill>
-              </a:rPr>
-              <a:t>个）最小的放在第 </a:t>
-            </a:r>
-            <a:r>
-              <a:rPr lang="en-US" altLang="zh-CN" sz="2400" b="0">
-                <a:solidFill>
-                  <a:schemeClr val="tx1">
-                    <a:lumMod val="75000"/>
-                    <a:lumOff val="25000"/>
-                  </a:schemeClr>
-                </a:solidFill>
-              </a:rPr>
-              <a:t>n-1 </a:t>
-            </a:r>
-            <a:r>
-              <a:rPr lang="zh-CN" altLang="en-US" sz="2400" b="0">
-                <a:solidFill>
-                  <a:schemeClr val="tx1">
-                    <a:lumMod val="75000"/>
-                    <a:lumOff val="25000"/>
-                  </a:schemeClr>
-                </a:solidFill>
-              </a:rPr>
-              <a:t>个位置，剩下的最后一个数（第 </a:t>
-            </a:r>
-            <a:r>
-              <a:rPr lang="en-US" altLang="zh-CN" sz="2400" b="0">
-                <a:solidFill>
-                  <a:schemeClr val="tx1">
-                    <a:lumMod val="75000"/>
-                    <a:lumOff val="25000"/>
-                  </a:schemeClr>
-                </a:solidFill>
-              </a:rPr>
-              <a:t>n </a:t>
-            </a:r>
-            <a:r>
-              <a:rPr lang="zh-CN" altLang="en-US" sz="2400" b="0">
-                <a:solidFill>
-                  <a:schemeClr val="tx1">
-                    <a:lumMod val="75000"/>
-                    <a:lumOff val="25000"/>
-                  </a:schemeClr>
-                </a:solidFill>
-              </a:rPr>
-              <a:t>个）一定最大，自然落在了第 </a:t>
-            </a:r>
-            <a:r>
-              <a:rPr lang="en-US" altLang="zh-CN" sz="2400" b="0">
-                <a:solidFill>
-                  <a:schemeClr val="tx1">
-                    <a:lumMod val="75000"/>
-                    <a:lumOff val="25000"/>
-                  </a:schemeClr>
-                </a:solidFill>
-              </a:rPr>
-              <a:t>n</a:t>
-            </a:r>
-            <a:r>
-              <a:rPr lang="zh-CN" altLang="en-US" sz="2400" b="0">
-                <a:solidFill>
-                  <a:schemeClr val="tx1">
-                    <a:lumMod val="75000"/>
-                    <a:lumOff val="25000"/>
-                  </a:schemeClr>
-                </a:solidFill>
-              </a:rPr>
-              <a:t>个位置。</a:t>
-            </a:r>
+              <a:rPr lang="zh-CN" altLang="en-US" sz="2000">
+                <a:solidFill>
+                  <a:schemeClr val="tx1">
+                    <a:lumMod val="75000"/>
+                    <a:lumOff val="25000"/>
+                  </a:schemeClr>
+                </a:solidFill>
+              </a:rPr>
+              <a:t>到第 </a:t>
+            </a:r>
+            <a:r>
+              <a:rPr lang="en-US" altLang="zh-CN" sz="2000">
+                <a:solidFill>
+                  <a:schemeClr val="tx1">
+                    <a:lumMod val="75000"/>
+                    <a:lumOff val="25000"/>
+                  </a:schemeClr>
+                </a:solidFill>
+              </a:rPr>
+              <a:t>n -1 </a:t>
+            </a:r>
+            <a:r>
+              <a:rPr lang="zh-CN" altLang="en-US" sz="2000">
+                <a:solidFill>
+                  <a:schemeClr val="tx1">
+                    <a:lumMod val="75000"/>
+                    <a:lumOff val="25000"/>
+                  </a:schemeClr>
+                </a:solidFill>
+              </a:rPr>
+              <a:t>轮的时候就只需比较 </a:t>
+            </a:r>
+            <a:r>
+              <a:rPr lang="en-US" altLang="zh-CN" sz="2000">
+                <a:solidFill>
+                  <a:schemeClr val="tx1">
+                    <a:lumMod val="75000"/>
+                    <a:lumOff val="25000"/>
+                  </a:schemeClr>
+                </a:solidFill>
+              </a:rPr>
+              <a:t>1 </a:t>
+            </a:r>
+            <a:r>
+              <a:rPr lang="zh-CN" altLang="en-US" sz="2000">
+                <a:solidFill>
+                  <a:schemeClr val="tx1">
+                    <a:lumMod val="75000"/>
+                    <a:lumOff val="25000"/>
+                  </a:schemeClr>
+                </a:solidFill>
+              </a:rPr>
+              <a:t>个数字了。因此，总的比较次数是 </a:t>
+            </a:r>
+            <a:r>
+              <a:rPr lang="en-US" altLang="zh-CN" sz="2000">
+                <a:solidFill>
+                  <a:schemeClr val="tx1">
+                    <a:lumMod val="75000"/>
+                    <a:lumOff val="25000"/>
+                  </a:schemeClr>
+                </a:solidFill>
+              </a:rPr>
+              <a:t>(n-1)+(n-2)+…+1 ≈ n</a:t>
+            </a:r>
+            <a:r>
+              <a:rPr lang="en-US" altLang="zh-CN" sz="2000" baseline="30000">
+                <a:solidFill>
+                  <a:schemeClr val="tx1">
+                    <a:lumMod val="75000"/>
+                    <a:lumOff val="25000"/>
+                  </a:schemeClr>
+                </a:solidFill>
+              </a:rPr>
+              <a:t>2</a:t>
+            </a:r>
+            <a:r>
+              <a:rPr lang="en-US" altLang="zh-CN" sz="2000">
+                <a:solidFill>
+                  <a:schemeClr val="tx1">
+                    <a:lumMod val="75000"/>
+                    <a:lumOff val="25000"/>
+                  </a:schemeClr>
+                </a:solidFill>
+              </a:rPr>
+              <a:t>/2 </a:t>
+            </a:r>
+            <a:r>
+              <a:rPr lang="zh-CN" altLang="en-US" sz="2000">
+                <a:solidFill>
+                  <a:schemeClr val="tx1">
+                    <a:lumMod val="75000"/>
+                    <a:lumOff val="25000"/>
+                  </a:schemeClr>
+                </a:solidFill>
+              </a:rPr>
+              <a:t>次。</a:t>
+            </a:r>
+          </a:p>
+          <a:p>
+            <a:pPr algn="l"/>
+            <a:endParaRPr lang="zh-CN" altLang="en-US" sz="2000">
+              <a:solidFill>
+                <a:schemeClr val="tx1">
+                  <a:lumMod val="75000"/>
+                  <a:lumOff val="25000"/>
+                </a:schemeClr>
+              </a:solidFill>
+            </a:endParaRPr>
+          </a:p>
+          <a:p>
+            <a:pPr algn="l"/>
+            <a:r>
+              <a:rPr lang="zh-CN" altLang="en-US" sz="2000">
+                <a:solidFill>
+                  <a:schemeClr val="tx1">
+                    <a:lumMod val="75000"/>
+                    <a:lumOff val="25000"/>
+                  </a:schemeClr>
+                </a:solidFill>
+              </a:rPr>
+              <a:t>每轮中交换数字的次数最多为 </a:t>
+            </a:r>
+            <a:r>
+              <a:rPr lang="en-US" altLang="zh-CN" sz="2000">
+                <a:solidFill>
+                  <a:schemeClr val="tx1">
+                    <a:lumMod val="75000"/>
+                    <a:lumOff val="25000"/>
+                  </a:schemeClr>
+                </a:solidFill>
+              </a:rPr>
+              <a:t>1 </a:t>
+            </a:r>
+            <a:r>
+              <a:rPr lang="zh-CN" altLang="en-US" sz="2000">
+                <a:solidFill>
+                  <a:schemeClr val="tx1">
+                    <a:lumMod val="75000"/>
+                    <a:lumOff val="25000"/>
+                  </a:schemeClr>
+                </a:solidFill>
+              </a:rPr>
+              <a:t>次。如果输入数据就是按从小到大的顺序排列的，便不需要进行任何交换。选择排序的时间复杂度为 </a:t>
+            </a:r>
+            <a:r>
+              <a:rPr lang="en-US" altLang="zh-CN" sz="2000">
+                <a:solidFill>
+                  <a:schemeClr val="tx1">
+                    <a:lumMod val="75000"/>
+                    <a:lumOff val="25000"/>
+                  </a:schemeClr>
+                </a:solidFill>
+              </a:rPr>
+              <a:t>O(n</a:t>
+            </a:r>
+            <a:r>
+              <a:rPr lang="en-US" altLang="zh-CN" sz="2000" baseline="30000">
+                <a:solidFill>
+                  <a:schemeClr val="tx1">
+                    <a:lumMod val="75000"/>
+                    <a:lumOff val="25000"/>
+                  </a:schemeClr>
+                </a:solidFill>
+              </a:rPr>
+              <a:t>2</a:t>
+            </a:r>
+            <a:r>
+              <a:rPr lang="en-US" altLang="zh-CN" sz="2000">
+                <a:solidFill>
+                  <a:schemeClr val="tx1">
+                    <a:lumMod val="75000"/>
+                    <a:lumOff val="25000"/>
+                  </a:schemeClr>
+                </a:solidFill>
+              </a:rPr>
+              <a:t>)</a:t>
+            </a:r>
+            <a:r>
+              <a:rPr lang="zh-CN" altLang="en-US" sz="2000">
+                <a:solidFill>
+                  <a:schemeClr val="tx1">
+                    <a:lumMod val="75000"/>
+                    <a:lumOff val="25000"/>
+                  </a:schemeClr>
+                </a:solidFill>
+              </a:rPr>
+              <a:t>。</a:t>
+            </a:r>
+            <a:endParaRPr lang="zh-CN" altLang="en-US" sz="2000" dirty="0">
+              <a:solidFill>
+                <a:schemeClr val="tx1">
+                  <a:lumMod val="75000"/>
+                  <a:lumOff val="25000"/>
+                </a:schemeClr>
+              </a:solidFill>
+            </a:endParaRPr>
           </a:p>
         </p:txBody>
       </p:sp>
     </p:spTree>
     <p:extLst>
       <p:ext uri="{BB962C8B-B14F-4D97-AF65-F5344CB8AC3E}">
-        <p14:creationId xmlns:p14="http://schemas.microsoft.com/office/powerpoint/2010/main" val="4200385488"/>
+        <p14:creationId xmlns:p14="http://schemas.microsoft.com/office/powerpoint/2010/main" val="2760511282"/>
       </p:ext>
     </p:extLst>
   </p:cSld>
@@ -4840,436 +5172,6 @@
           <a:chExt cx="0" cy="0"/>
         </a:xfrm>
       </p:grpSpPr>
-      <p:pic>
-        <p:nvPicPr>
-          <p:cNvPr id="2" name="Picture 2">
-            <a:extLst>
-              <a:ext uri="{FF2B5EF4-FFF2-40B4-BE49-F238E27FC236}">
-                <a16:creationId xmlns:a16="http://schemas.microsoft.com/office/drawing/2014/main" id="{5EFAFE57-753C-41ED-881C-2D2F4CA0D679}"/>
-              </a:ext>
-            </a:extLst>
-          </p:cNvPr>
-          <p:cNvPicPr>
-            <a:picLocks noChangeAspect="1" noChangeArrowheads="1"/>
-          </p:cNvPicPr>
-          <p:nvPr/>
-        </p:nvPicPr>
-        <p:blipFill>
-          <a:blip r:embed="rId2">
-            <a:extLst>
-              <a:ext uri="{28A0092B-C50C-407E-A947-70E740481C1C}">
-                <a14:useLocalDpi xmlns:a14="http://schemas.microsoft.com/office/drawing/2010/main" val="0"/>
-              </a:ext>
-            </a:extLst>
-          </a:blip>
-          <a:srcRect/>
-          <a:stretch>
-            <a:fillRect/>
-          </a:stretch>
-        </p:blipFill>
-        <p:spPr bwMode="auto">
-          <a:xfrm>
-            <a:off x="1542133" y="1072001"/>
-            <a:ext cx="8615363" cy="2879725"/>
-          </a:xfrm>
-          <a:prstGeom prst="rect">
-            <a:avLst/>
-          </a:prstGeom>
-          <a:noFill/>
-          <a:ln>
-            <a:noFill/>
-          </a:ln>
-          <a:extLst>
-            <a:ext uri="{909E8E84-426E-40DD-AFC4-6F175D3DCCD1}">
-              <a14:hiddenFill xmlns:a14="http://schemas.microsoft.com/office/drawing/2010/main">
-                <a:solidFill>
-                  <a:schemeClr val="accent1"/>
-                </a:solidFill>
-              </a14:hiddenFill>
-            </a:ext>
-            <a:ext uri="{91240B29-F687-4F45-9708-019B960494DF}">
-              <a14:hiddenLine xmlns:a14="http://schemas.microsoft.com/office/drawing/2010/main" w="9525">
-                <a:solidFill>
-                  <a:schemeClr val="tx1"/>
-                </a:solidFill>
-                <a:miter lim="800000"/>
-                <a:headEnd/>
-                <a:tailEnd/>
-              </a14:hiddenLine>
-            </a:ext>
-          </a:extLst>
-        </p:spPr>
-      </p:pic>
-      <p:sp>
-        <p:nvSpPr>
-          <p:cNvPr id="4" name="文本框 3">
-            <a:extLst>
-              <a:ext uri="{FF2B5EF4-FFF2-40B4-BE49-F238E27FC236}">
-                <a16:creationId xmlns:a16="http://schemas.microsoft.com/office/drawing/2014/main" id="{8C57B31C-3D4D-469E-8833-B1848B51B2E7}"/>
-              </a:ext>
-            </a:extLst>
-          </p:cNvPr>
-          <p:cNvSpPr txBox="1"/>
-          <p:nvPr/>
-        </p:nvSpPr>
-        <p:spPr>
-          <a:xfrm>
-            <a:off x="1477106" y="4180166"/>
-            <a:ext cx="8870462" cy="1938992"/>
-          </a:xfrm>
-          <a:prstGeom prst="rect">
-            <a:avLst/>
-          </a:prstGeom>
-          <a:noFill/>
-        </p:spPr>
-        <p:txBody>
-          <a:bodyPr wrap="square">
-            <a:spAutoFit/>
-          </a:bodyPr>
-          <a:lstStyle/>
-          <a:p>
-            <a:pPr algn="l"/>
-            <a:r>
-              <a:rPr lang="zh-CN" altLang="en-US" sz="2000">
-                <a:solidFill>
-                  <a:schemeClr val="tx1">
-                    <a:lumMod val="75000"/>
-                    <a:lumOff val="25000"/>
-                  </a:schemeClr>
-                </a:solidFill>
-              </a:rPr>
-              <a:t>选择排序使用了线性查找来寻找最小值，因此在第 </a:t>
-            </a:r>
-            <a:r>
-              <a:rPr lang="en-US" altLang="zh-CN" sz="2000">
-                <a:solidFill>
-                  <a:schemeClr val="tx1">
-                    <a:lumMod val="75000"/>
-                    <a:lumOff val="25000"/>
-                  </a:schemeClr>
-                </a:solidFill>
-              </a:rPr>
-              <a:t>1 </a:t>
-            </a:r>
-            <a:r>
-              <a:rPr lang="zh-CN" altLang="en-US" sz="2000">
-                <a:solidFill>
-                  <a:schemeClr val="tx1">
-                    <a:lumMod val="75000"/>
-                    <a:lumOff val="25000"/>
-                  </a:schemeClr>
-                </a:solidFill>
-              </a:rPr>
-              <a:t>轮中需要比较 </a:t>
-            </a:r>
-            <a:r>
-              <a:rPr lang="en-US" altLang="zh-CN" sz="2000">
-                <a:solidFill>
-                  <a:schemeClr val="tx1">
-                    <a:lumMod val="75000"/>
-                    <a:lumOff val="25000"/>
-                  </a:schemeClr>
-                </a:solidFill>
-              </a:rPr>
-              <a:t>n - 1 </a:t>
-            </a:r>
-            <a:r>
-              <a:rPr lang="zh-CN" altLang="en-US" sz="2000">
-                <a:solidFill>
-                  <a:schemeClr val="tx1">
-                    <a:lumMod val="75000"/>
-                    <a:lumOff val="25000"/>
-                  </a:schemeClr>
-                </a:solidFill>
-              </a:rPr>
-              <a:t>个数字，第</a:t>
-            </a:r>
-            <a:r>
-              <a:rPr lang="en-US" altLang="zh-CN" sz="2000">
-                <a:solidFill>
-                  <a:schemeClr val="tx1">
-                    <a:lumMod val="75000"/>
-                    <a:lumOff val="25000"/>
-                  </a:schemeClr>
-                </a:solidFill>
-              </a:rPr>
-              <a:t>2 </a:t>
-            </a:r>
-            <a:r>
-              <a:rPr lang="zh-CN" altLang="en-US" sz="2000">
-                <a:solidFill>
-                  <a:schemeClr val="tx1">
-                    <a:lumMod val="75000"/>
-                    <a:lumOff val="25000"/>
-                  </a:schemeClr>
-                </a:solidFill>
-              </a:rPr>
-              <a:t>轮需要比较 </a:t>
-            </a:r>
-            <a:r>
-              <a:rPr lang="en-US" altLang="zh-CN" sz="2000">
-                <a:solidFill>
-                  <a:schemeClr val="tx1">
-                    <a:lumMod val="75000"/>
-                    <a:lumOff val="25000"/>
-                  </a:schemeClr>
-                </a:solidFill>
-              </a:rPr>
-              <a:t>n -2 </a:t>
-            </a:r>
-            <a:r>
-              <a:rPr lang="zh-CN" altLang="en-US" sz="2000">
-                <a:solidFill>
-                  <a:schemeClr val="tx1">
-                    <a:lumMod val="75000"/>
-                    <a:lumOff val="25000"/>
-                  </a:schemeClr>
-                </a:solidFill>
-              </a:rPr>
-              <a:t>个数字</a:t>
-            </a:r>
-            <a:r>
-              <a:rPr lang="en-US" altLang="zh-CN" sz="2000">
-                <a:solidFill>
-                  <a:schemeClr val="tx1">
-                    <a:lumMod val="75000"/>
-                    <a:lumOff val="25000"/>
-                  </a:schemeClr>
-                </a:solidFill>
-              </a:rPr>
-              <a:t>……</a:t>
-            </a:r>
-            <a:r>
-              <a:rPr lang="zh-CN" altLang="en-US" sz="2000">
-                <a:solidFill>
-                  <a:schemeClr val="tx1">
-                    <a:lumMod val="75000"/>
-                    <a:lumOff val="25000"/>
-                  </a:schemeClr>
-                </a:solidFill>
-              </a:rPr>
-              <a:t>到第 </a:t>
-            </a:r>
-            <a:r>
-              <a:rPr lang="en-US" altLang="zh-CN" sz="2000">
-                <a:solidFill>
-                  <a:schemeClr val="tx1">
-                    <a:lumMod val="75000"/>
-                    <a:lumOff val="25000"/>
-                  </a:schemeClr>
-                </a:solidFill>
-              </a:rPr>
-              <a:t>n -1 </a:t>
-            </a:r>
-            <a:r>
-              <a:rPr lang="zh-CN" altLang="en-US" sz="2000">
-                <a:solidFill>
-                  <a:schemeClr val="tx1">
-                    <a:lumMod val="75000"/>
-                    <a:lumOff val="25000"/>
-                  </a:schemeClr>
-                </a:solidFill>
-              </a:rPr>
-              <a:t>轮的时候就只需比较 </a:t>
-            </a:r>
-            <a:r>
-              <a:rPr lang="en-US" altLang="zh-CN" sz="2000">
-                <a:solidFill>
-                  <a:schemeClr val="tx1">
-                    <a:lumMod val="75000"/>
-                    <a:lumOff val="25000"/>
-                  </a:schemeClr>
-                </a:solidFill>
-              </a:rPr>
-              <a:t>1 </a:t>
-            </a:r>
-            <a:r>
-              <a:rPr lang="zh-CN" altLang="en-US" sz="2000">
-                <a:solidFill>
-                  <a:schemeClr val="tx1">
-                    <a:lumMod val="75000"/>
-                    <a:lumOff val="25000"/>
-                  </a:schemeClr>
-                </a:solidFill>
-              </a:rPr>
-              <a:t>个数字了。因此，总的比较次数是 </a:t>
-            </a:r>
-            <a:r>
-              <a:rPr lang="en-US" altLang="zh-CN" sz="2000">
-                <a:solidFill>
-                  <a:schemeClr val="tx1">
-                    <a:lumMod val="75000"/>
-                    <a:lumOff val="25000"/>
-                  </a:schemeClr>
-                </a:solidFill>
-              </a:rPr>
-              <a:t>(n-1)+(n-2)+…+1 ≈ n</a:t>
-            </a:r>
-            <a:r>
-              <a:rPr lang="en-US" altLang="zh-CN" sz="2000" baseline="30000">
-                <a:solidFill>
-                  <a:schemeClr val="tx1">
-                    <a:lumMod val="75000"/>
-                    <a:lumOff val="25000"/>
-                  </a:schemeClr>
-                </a:solidFill>
-              </a:rPr>
-              <a:t>2</a:t>
-            </a:r>
-            <a:r>
-              <a:rPr lang="en-US" altLang="zh-CN" sz="2000">
-                <a:solidFill>
-                  <a:schemeClr val="tx1">
-                    <a:lumMod val="75000"/>
-                    <a:lumOff val="25000"/>
-                  </a:schemeClr>
-                </a:solidFill>
-              </a:rPr>
-              <a:t>/2 </a:t>
-            </a:r>
-            <a:r>
-              <a:rPr lang="zh-CN" altLang="en-US" sz="2000">
-                <a:solidFill>
-                  <a:schemeClr val="tx1">
-                    <a:lumMod val="75000"/>
-                    <a:lumOff val="25000"/>
-                  </a:schemeClr>
-                </a:solidFill>
-              </a:rPr>
-              <a:t>次。</a:t>
-            </a:r>
-          </a:p>
-          <a:p>
-            <a:pPr algn="l"/>
-            <a:endParaRPr lang="zh-CN" altLang="en-US" sz="2000">
-              <a:solidFill>
-                <a:schemeClr val="tx1">
-                  <a:lumMod val="75000"/>
-                  <a:lumOff val="25000"/>
-                </a:schemeClr>
-              </a:solidFill>
-            </a:endParaRPr>
-          </a:p>
-          <a:p>
-            <a:pPr algn="l"/>
-            <a:r>
-              <a:rPr lang="zh-CN" altLang="en-US" sz="2000">
-                <a:solidFill>
-                  <a:schemeClr val="tx1">
-                    <a:lumMod val="75000"/>
-                    <a:lumOff val="25000"/>
-                  </a:schemeClr>
-                </a:solidFill>
-              </a:rPr>
-              <a:t>每轮中交换数字的次数最多为 </a:t>
-            </a:r>
-            <a:r>
-              <a:rPr lang="en-US" altLang="zh-CN" sz="2000">
-                <a:solidFill>
-                  <a:schemeClr val="tx1">
-                    <a:lumMod val="75000"/>
-                    <a:lumOff val="25000"/>
-                  </a:schemeClr>
-                </a:solidFill>
-              </a:rPr>
-              <a:t>1 </a:t>
-            </a:r>
-            <a:r>
-              <a:rPr lang="zh-CN" altLang="en-US" sz="2000">
-                <a:solidFill>
-                  <a:schemeClr val="tx1">
-                    <a:lumMod val="75000"/>
-                    <a:lumOff val="25000"/>
-                  </a:schemeClr>
-                </a:solidFill>
-              </a:rPr>
-              <a:t>次。如果输入数据就是按从小到大的顺序排列的，便不需要进行任何交换。选择排序的时间复杂度为 </a:t>
-            </a:r>
-            <a:r>
-              <a:rPr lang="en-US" altLang="zh-CN" sz="2000">
-                <a:solidFill>
-                  <a:schemeClr val="tx1">
-                    <a:lumMod val="75000"/>
-                    <a:lumOff val="25000"/>
-                  </a:schemeClr>
-                </a:solidFill>
-              </a:rPr>
-              <a:t>O(n</a:t>
-            </a:r>
-            <a:r>
-              <a:rPr lang="en-US" altLang="zh-CN" sz="2000" baseline="30000">
-                <a:solidFill>
-                  <a:schemeClr val="tx1">
-                    <a:lumMod val="75000"/>
-                    <a:lumOff val="25000"/>
-                  </a:schemeClr>
-                </a:solidFill>
-              </a:rPr>
-              <a:t>2</a:t>
-            </a:r>
-            <a:r>
-              <a:rPr lang="en-US" altLang="zh-CN" sz="2000">
-                <a:solidFill>
-                  <a:schemeClr val="tx1">
-                    <a:lumMod val="75000"/>
-                    <a:lumOff val="25000"/>
-                  </a:schemeClr>
-                </a:solidFill>
-              </a:rPr>
-              <a:t>)</a:t>
-            </a:r>
-            <a:r>
-              <a:rPr lang="zh-CN" altLang="en-US" sz="2000">
-                <a:solidFill>
-                  <a:schemeClr val="tx1">
-                    <a:lumMod val="75000"/>
-                    <a:lumOff val="25000"/>
-                  </a:schemeClr>
-                </a:solidFill>
-              </a:rPr>
-              <a:t>。</a:t>
-            </a:r>
-            <a:endParaRPr lang="zh-CN" altLang="en-US" sz="2000" dirty="0">
-              <a:solidFill>
-                <a:schemeClr val="tx1">
-                  <a:lumMod val="75000"/>
-                  <a:lumOff val="25000"/>
-                </a:schemeClr>
-              </a:solidFill>
-            </a:endParaRPr>
-          </a:p>
-        </p:txBody>
-      </p:sp>
-    </p:spTree>
-    <p:extLst>
-      <p:ext uri="{BB962C8B-B14F-4D97-AF65-F5344CB8AC3E}">
-        <p14:creationId xmlns:p14="http://schemas.microsoft.com/office/powerpoint/2010/main" val="2760511282"/>
-      </p:ext>
-    </p:extLst>
-  </p:cSld>
-  <p:clrMapOvr>
-    <a:masterClrMapping/>
-  </p:clrMapOvr>
-</p:sld>
-</file>
-
-<file path=ppt/slides/slide5.xml><?xml version="1.0" encoding="utf-8"?>
-<p:sld xmlns:a="http://schemas.openxmlformats.org/drawingml/2006/main" xmlns:r="http://schemas.openxmlformats.org/officeDocument/2006/relationships" xmlns:p="http://schemas.openxmlformats.org/presentationml/2006/main">
-  <p:cSld>
-    <p:spTree>
-      <p:nvGrpSpPr>
-        <p:cNvPr id="1" name=""/>
-        <p:cNvGrpSpPr/>
-        <p:nvPr/>
-      </p:nvGrpSpPr>
-      <p:grpSpPr>
-        <a:xfrm>
-          <a:off x="0" y="0"/>
-          <a:ext cx="0" cy="0"/>
-          <a:chOff x="0" y="0"/>
-          <a:chExt cx="0" cy="0"/>
-        </a:xfrm>
-      </p:grpSpPr>
       <p:sp>
         <p:nvSpPr>
           <p:cNvPr id="2" name="矩形 2">
@@ -6016,7 +5918,7 @@
 </p:sld>
 </file>
 
-<file path=ppt/slides/slide6.xml><?xml version="1.0" encoding="utf-8"?>
+<file path=ppt/slides/slide5.xml><?xml version="1.0" encoding="utf-8"?>
 <p:sld xmlns:a="http://schemas.openxmlformats.org/drawingml/2006/main" xmlns:r="http://schemas.openxmlformats.org/officeDocument/2006/relationships" xmlns:p="http://schemas.openxmlformats.org/presentationml/2006/main">
   <p:cSld>
     <p:spTree>
